--- a/reports/Final Presentation.pptx
+++ b/reports/Final Presentation.pptx
@@ -5,42 +5,43 @@
     <p:sldMasterId id="2147483659" r:id="rId1"/>
   </p:sldMasterIdLst>
   <p:notesMasterIdLst>
-    <p:notesMasterId r:id="rId10"/>
+    <p:notesMasterId r:id="rId11"/>
   </p:notesMasterIdLst>
   <p:sldIdLst>
     <p:sldId id="256" r:id="rId2"/>
     <p:sldId id="266" r:id="rId3"/>
-    <p:sldId id="258" r:id="rId4"/>
-    <p:sldId id="264" r:id="rId5"/>
-    <p:sldId id="260" r:id="rId6"/>
-    <p:sldId id="267" r:id="rId7"/>
-    <p:sldId id="261" r:id="rId8"/>
-    <p:sldId id="262" r:id="rId9"/>
+    <p:sldId id="268" r:id="rId4"/>
+    <p:sldId id="258" r:id="rId5"/>
+    <p:sldId id="264" r:id="rId6"/>
+    <p:sldId id="260" r:id="rId7"/>
+    <p:sldId id="267" r:id="rId8"/>
+    <p:sldId id="261" r:id="rId9"/>
+    <p:sldId id="262" r:id="rId10"/>
   </p:sldIdLst>
   <p:sldSz cx="9144000" cy="5143500" type="screen16x9"/>
   <p:notesSz cx="7315200" cy="9601200"/>
   <p:embeddedFontLst>
     <p:embeddedFont>
       <p:font typeface="Calibri" panose="020F0502020204030204" pitchFamily="34" charset="0"/>
-      <p:regular r:id="rId11"/>
-      <p:bold r:id="rId12"/>
-      <p:italic r:id="rId13"/>
-      <p:boldItalic r:id="rId14"/>
+      <p:regular r:id="rId12"/>
+      <p:bold r:id="rId13"/>
+      <p:italic r:id="rId14"/>
+      <p:boldItalic r:id="rId15"/>
     </p:embeddedFont>
     <p:embeddedFont>
       <p:font typeface="Consolas" panose="020B0609020204030204" pitchFamily="49" charset="0"/>
-      <p:regular r:id="rId15"/>
-      <p:bold r:id="rId16"/>
-      <p:italic r:id="rId17"/>
-      <p:boldItalic r:id="rId18"/>
+      <p:regular r:id="rId16"/>
+      <p:bold r:id="rId17"/>
+      <p:italic r:id="rId18"/>
+      <p:boldItalic r:id="rId19"/>
     </p:embeddedFont>
     <p:embeddedFont>
       <p:font typeface="Arial Black" panose="020B0A04020102020204" pitchFamily="34" charset="0"/>
-      <p:bold r:id="rId19"/>
+      <p:bold r:id="rId20"/>
     </p:embeddedFont>
     <p:embeddedFont>
       <p:font typeface="Questrial" panose="02000000000000000000" pitchFamily="50" charset="0"/>
-      <p:regular r:id="rId20"/>
+      <p:regular r:id="rId21"/>
     </p:embeddedFont>
   </p:embeddedFontLst>
   <p:defaultTextStyle>
@@ -783,6 +784,133 @@
   <p:cSld>
     <p:spTree>
       <p:nvGrpSpPr>
+        <p:cNvPr id="1" name="Shape 85"/>
+        <p:cNvGrpSpPr/>
+        <p:nvPr/>
+      </p:nvGrpSpPr>
+      <p:grpSpPr>
+        <a:xfrm>
+          <a:off x="0" y="0"/>
+          <a:ext cx="0" cy="0"/>
+          <a:chOff x="0" y="0"/>
+          <a:chExt cx="0" cy="0"/>
+        </a:xfrm>
+      </p:grpSpPr>
+      <p:sp>
+        <p:nvSpPr>
+          <p:cNvPr id="86" name="Shape 86"/>
+          <p:cNvSpPr txBox="1">
+            <a:spLocks noGrp="1"/>
+          </p:cNvSpPr>
+          <p:nvPr>
+            <p:ph type="body" idx="1"/>
+          </p:nvPr>
+        </p:nvSpPr>
+        <p:spPr>
+          <a:xfrm>
+            <a:off x="731521" y="4560570"/>
+            <a:ext cx="5852159" cy="4320540"/>
+          </a:xfrm>
+          <a:prstGeom prst="rect">
+            <a:avLst/>
+          </a:prstGeom>
+          <a:noFill/>
+          <a:ln>
+            <a:noFill/>
+          </a:ln>
+        </p:spPr>
+        <p:txBody>
+          <a:bodyPr lIns="96645" tIns="96645" rIns="96645" bIns="96645" anchor="ctr" anchorCtr="0">
+            <a:noAutofit/>
+          </a:bodyPr>
+          <a:lstStyle/>
+          <a:p>
+            <a:pPr>
+              <a:buClr>
+                <a:schemeClr val="dk1"/>
+              </a:buClr>
+            </a:pPr>
+            <a:endParaRPr sz="1200" dirty="0">
+              <a:solidFill>
+                <a:schemeClr val="dk1"/>
+              </a:solidFill>
+              <a:latin typeface="Arial"/>
+              <a:ea typeface="Arial"/>
+              <a:cs typeface="Arial"/>
+              <a:sym typeface="Arial"/>
+            </a:endParaRPr>
+          </a:p>
+        </p:txBody>
+      </p:sp>
+      <p:sp>
+        <p:nvSpPr>
+          <p:cNvPr id="87" name="Shape 87"/>
+          <p:cNvSpPr>
+            <a:spLocks noGrp="1" noRot="1" noChangeAspect="1"/>
+          </p:cNvSpPr>
+          <p:nvPr>
+            <p:ph type="sldImg" idx="2"/>
+          </p:nvPr>
+        </p:nvSpPr>
+        <p:spPr>
+          <a:xfrm>
+            <a:off x="457200" y="720725"/>
+            <a:ext cx="6400800" cy="3600450"/>
+          </a:xfrm>
+          <a:custGeom>
+            <a:avLst/>
+            <a:gdLst/>
+            <a:ahLst/>
+            <a:cxnLst/>
+            <a:rect l="0" t="0" r="0" b="0"/>
+            <a:pathLst>
+              <a:path w="120000" h="120000" extrusionOk="0">
+                <a:moveTo>
+                  <a:pt x="0" y="0"/>
+                </a:moveTo>
+                <a:lnTo>
+                  <a:pt x="120000" y="0"/>
+                </a:lnTo>
+                <a:lnTo>
+                  <a:pt x="120000" y="120000"/>
+                </a:lnTo>
+                <a:lnTo>
+                  <a:pt x="0" y="120000"/>
+                </a:lnTo>
+                <a:close/>
+              </a:path>
+            </a:pathLst>
+          </a:custGeom>
+          <a:noFill/>
+          <a:ln w="9525" cap="flat" cmpd="sng">
+            <a:solidFill>
+              <a:srgbClr val="000000"/>
+            </a:solidFill>
+            <a:prstDash val="solid"/>
+            <a:round/>
+            <a:headEnd type="none" w="med" len="med"/>
+            <a:tailEnd type="none" w="med" len="med"/>
+          </a:ln>
+        </p:spPr>
+      </p:sp>
+    </p:spTree>
+    <p:extLst>
+      <p:ext uri="{BB962C8B-B14F-4D97-AF65-F5344CB8AC3E}">
+        <p14:creationId xmlns:p14="http://schemas.microsoft.com/office/powerpoint/2010/main" val="1584151603"/>
+      </p:ext>
+    </p:extLst>
+  </p:cSld>
+  <p:clrMapOvr>
+    <a:masterClrMapping/>
+  </p:clrMapOvr>
+</p:notes>
+</file>
+
+<file path=ppt/notesSlides/notesSlide4.xml><?xml version="1.0" encoding="utf-8"?>
+<p:notes xmlns:a="http://schemas.openxmlformats.org/drawingml/2006/main" xmlns:r="http://schemas.openxmlformats.org/officeDocument/2006/relationships" xmlns:p="http://schemas.openxmlformats.org/presentationml/2006/main" showMasterSp="0" showMasterPhAnim="0">
+  <p:cSld>
+    <p:spTree>
+      <p:nvGrpSpPr>
         <p:cNvPr id="1" name="Shape 91"/>
         <p:cNvGrpSpPr/>
         <p:nvPr/>
@@ -905,7 +1033,7 @@
 </p:notes>
 </file>
 
-<file path=ppt/notesSlides/notesSlide4.xml><?xml version="1.0" encoding="utf-8"?>
+<file path=ppt/notesSlides/notesSlide5.xml><?xml version="1.0" encoding="utf-8"?>
 <p:notes xmlns:a="http://schemas.openxmlformats.org/drawingml/2006/main" xmlns:r="http://schemas.openxmlformats.org/officeDocument/2006/relationships" xmlns:p="http://schemas.openxmlformats.org/presentationml/2006/main" showMasterSp="0" showMasterPhAnim="0">
   <p:cSld>
     <p:spTree>
@@ -1032,7 +1160,7 @@
 </p:notes>
 </file>
 
-<file path=ppt/notesSlides/notesSlide5.xml><?xml version="1.0" encoding="utf-8"?>
+<file path=ppt/notesSlides/notesSlide6.xml><?xml version="1.0" encoding="utf-8"?>
 <p:notes xmlns:a="http://schemas.openxmlformats.org/drawingml/2006/main" xmlns:r="http://schemas.openxmlformats.org/officeDocument/2006/relationships" xmlns:p="http://schemas.openxmlformats.org/presentationml/2006/main" showMasterSp="0" showMasterPhAnim="0">
   <p:cSld>
     <p:spTree>
@@ -1159,7 +1287,7 @@
 </p:notes>
 </file>
 
-<file path=ppt/notesSlides/notesSlide6.xml><?xml version="1.0" encoding="utf-8"?>
+<file path=ppt/notesSlides/notesSlide7.xml><?xml version="1.0" encoding="utf-8"?>
 <p:notes xmlns:a="http://schemas.openxmlformats.org/drawingml/2006/main" xmlns:r="http://schemas.openxmlformats.org/officeDocument/2006/relationships" xmlns:p="http://schemas.openxmlformats.org/presentationml/2006/main" showMasterSp="0" showMasterPhAnim="0">
   <p:cSld>
     <p:spTree>
@@ -1286,7 +1414,7 @@
 </p:notes>
 </file>
 
-<file path=ppt/notesSlides/notesSlide7.xml><?xml version="1.0" encoding="utf-8"?>
+<file path=ppt/notesSlides/notesSlide8.xml><?xml version="1.0" encoding="utf-8"?>
 <p:notes xmlns:a="http://schemas.openxmlformats.org/drawingml/2006/main" xmlns:r="http://schemas.openxmlformats.org/officeDocument/2006/relationships" xmlns:p="http://schemas.openxmlformats.org/presentationml/2006/main" showMasterSp="0" showMasterPhAnim="0">
   <p:cSld>
     <p:spTree>
@@ -1413,7 +1541,7 @@
 </p:notes>
 </file>
 
-<file path=ppt/notesSlides/notesSlide8.xml><?xml version="1.0" encoding="utf-8"?>
+<file path=ppt/notesSlides/notesSlide9.xml><?xml version="1.0" encoding="utf-8"?>
 <p:notes xmlns:a="http://schemas.openxmlformats.org/drawingml/2006/main" xmlns:r="http://schemas.openxmlformats.org/officeDocument/2006/relationships" xmlns:p="http://schemas.openxmlformats.org/presentationml/2006/main" showMasterSp="0" showMasterPhAnim="0">
   <p:cSld>
     <p:spTree>
@@ -13649,6 +13777,3223 @@
     </p:bg>
     <p:spTree>
       <p:nvGrpSpPr>
+        <p:cNvPr id="1" name="Shape 88"/>
+        <p:cNvGrpSpPr/>
+        <p:nvPr/>
+      </p:nvGrpSpPr>
+      <p:grpSpPr>
+        <a:xfrm>
+          <a:off x="0" y="0"/>
+          <a:ext cx="0" cy="0"/>
+          <a:chOff x="0" y="0"/>
+          <a:chExt cx="0" cy="0"/>
+        </a:xfrm>
+      </p:grpSpPr>
+      <p:sp>
+        <p:nvSpPr>
+          <p:cNvPr id="89" name="Shape 89"/>
+          <p:cNvSpPr txBox="1">
+            <a:spLocks noGrp="1"/>
+          </p:cNvSpPr>
+          <p:nvPr>
+            <p:ph type="title"/>
+          </p:nvPr>
+        </p:nvSpPr>
+        <p:spPr>
+          <a:xfrm>
+            <a:off x="628650" y="273843"/>
+            <a:ext cx="7886700" cy="994200"/>
+          </a:xfrm>
+          <a:prstGeom prst="rect">
+            <a:avLst/>
+          </a:prstGeom>
+          <a:noFill/>
+          <a:ln>
+            <a:noFill/>
+          </a:ln>
+        </p:spPr>
+        <p:txBody>
+          <a:bodyPr lIns="68575" tIns="34275" rIns="68575" bIns="34275" anchor="ctr" anchorCtr="0">
+            <a:noAutofit/>
+          </a:bodyPr>
+          <a:lstStyle/>
+          <a:p>
+            <a:pPr marL="0" marR="0" lvl="0" indent="0" algn="l" rtl="0">
+              <a:lnSpc>
+                <a:spcPct val="90000"/>
+              </a:lnSpc>
+              <a:spcBef>
+                <a:spcPts val="0"/>
+              </a:spcBef>
+              <a:spcAft>
+                <a:spcPts val="0"/>
+              </a:spcAft>
+              <a:buClr>
+                <a:srgbClr val="7F7F7F"/>
+              </a:buClr>
+              <a:buSzPct val="25000"/>
+              <a:buFont typeface="Times New Roman"/>
+              <a:buNone/>
+            </a:pPr>
+            <a:r>
+              <a:rPr lang="en" dirty="0" smtClean="0">
+                <a:solidFill>
+                  <a:srgbClr val="7F7F7F"/>
+                </a:solidFill>
+                <a:latin typeface="Arial Black" panose="020B0A04020102020204" pitchFamily="34" charset="0"/>
+                <a:ea typeface="Consolas"/>
+                <a:cs typeface="Consolas" panose="020B0609020204030204" pitchFamily="49" charset="0"/>
+                <a:sym typeface="Consolas"/>
+              </a:rPr>
+              <a:t>INSTRUCTION</a:t>
+            </a:r>
+            <a:r>
+              <a:rPr lang="en" dirty="0" smtClean="0">
+                <a:solidFill>
+                  <a:srgbClr val="7F7F7F"/>
+                </a:solidFill>
+                <a:latin typeface="+mn-lt"/>
+                <a:ea typeface="Consolas"/>
+                <a:cs typeface="Consolas" panose="020B0609020204030204" pitchFamily="49" charset="0"/>
+                <a:sym typeface="Consolas"/>
+              </a:rPr>
+              <a:t>SET</a:t>
+            </a:r>
+            <a:endParaRPr lang="en" dirty="0">
+              <a:solidFill>
+                <a:schemeClr val="tx1"/>
+              </a:solidFill>
+              <a:latin typeface="Arial Black" panose="020B0A04020102020204" pitchFamily="34" charset="0"/>
+              <a:ea typeface="Consolas"/>
+              <a:cs typeface="Consolas" panose="020B0609020204030204" pitchFamily="49" charset="0"/>
+              <a:sym typeface="Consolas"/>
+            </a:endParaRPr>
+          </a:p>
+        </p:txBody>
+      </p:sp>
+      <p:graphicFrame>
+        <p:nvGraphicFramePr>
+          <p:cNvPr id="3" name="Table 2"/>
+          <p:cNvGraphicFramePr>
+            <a:graphicFrameLocks noGrp="1"/>
+          </p:cNvGraphicFramePr>
+          <p:nvPr>
+            <p:extLst>
+              <p:ext uri="{D42A27DB-BD31-4B8C-83A1-F6EECF244321}">
+                <p14:modId xmlns:p14="http://schemas.microsoft.com/office/powerpoint/2010/main" val="1107224539"/>
+              </p:ext>
+            </p:extLst>
+          </p:nvPr>
+        </p:nvGraphicFramePr>
+        <p:xfrm>
+          <a:off x="469900" y="1003303"/>
+          <a:ext cx="8185895" cy="3975101"/>
+        </p:xfrm>
+        <a:graphic>
+          <a:graphicData uri="http://schemas.openxmlformats.org/drawingml/2006/table">
+            <a:tbl>
+              <a:tblPr firstRow="1" firstCol="1" bandRow="1">
+                <a:tableStyleId>{775DCB02-9BB8-47FD-8907-85C794F793BA}</a:tableStyleId>
+              </a:tblPr>
+              <a:tblGrid>
+                <a:gridCol w="3361713"/>
+                <a:gridCol w="1949870"/>
+                <a:gridCol w="958104"/>
+                <a:gridCol w="958104"/>
+                <a:gridCol w="958104"/>
+              </a:tblGrid>
+              <a:tr h="172578">
+                <a:tc>
+                  <a:txBody>
+                    <a:bodyPr/>
+                    <a:lstStyle/>
+                    <a:p>
+                      <a:pPr marL="0" marR="0" algn="ctr">
+                        <a:lnSpc>
+                          <a:spcPct val="115000"/>
+                        </a:lnSpc>
+                        <a:spcBef>
+                          <a:spcPts val="600"/>
+                        </a:spcBef>
+                        <a:spcAft>
+                          <a:spcPts val="600"/>
+                        </a:spcAft>
+                      </a:pPr>
+                      <a:r>
+                        <a:rPr lang="en-IN" sz="1050" dirty="0">
+                          <a:effectLst/>
+                        </a:rPr>
+                        <a:t>Name</a:t>
+                      </a:r>
+                      <a:endParaRPr lang="en-US" sz="1050" dirty="0">
+                        <a:effectLst/>
+                        <a:latin typeface="Calibri" panose="020F0502020204030204" pitchFamily="34" charset="0"/>
+                        <a:ea typeface="Calibri" panose="020F0502020204030204" pitchFamily="34" charset="0"/>
+                        <a:cs typeface="Times New Roman" panose="02020603050405020304" pitchFamily="18" charset="0"/>
+                      </a:endParaRPr>
+                    </a:p>
+                  </a:txBody>
+                  <a:tcPr marL="5090" marR="5090" marT="0" marB="0" anchor="ctr"/>
+                </a:tc>
+                <a:tc>
+                  <a:txBody>
+                    <a:bodyPr/>
+                    <a:lstStyle/>
+                    <a:p>
+                      <a:pPr marL="0" marR="0" algn="ctr">
+                        <a:lnSpc>
+                          <a:spcPct val="115000"/>
+                        </a:lnSpc>
+                        <a:spcBef>
+                          <a:spcPts val="600"/>
+                        </a:spcBef>
+                        <a:spcAft>
+                          <a:spcPts val="600"/>
+                        </a:spcAft>
+                      </a:pPr>
+                      <a:r>
+                        <a:rPr lang="en-IN" sz="1050">
+                          <a:effectLst/>
+                        </a:rPr>
+                        <a:t>Mnemonic</a:t>
+                      </a:r>
+                      <a:endParaRPr lang="en-US" sz="1050">
+                        <a:effectLst/>
+                        <a:latin typeface="Calibri" panose="020F0502020204030204" pitchFamily="34" charset="0"/>
+                        <a:ea typeface="Calibri" panose="020F0502020204030204" pitchFamily="34" charset="0"/>
+                        <a:cs typeface="Times New Roman" panose="02020603050405020304" pitchFamily="18" charset="0"/>
+                      </a:endParaRPr>
+                    </a:p>
+                  </a:txBody>
+                  <a:tcPr marL="5090" marR="5090" marT="0" marB="0" anchor="ctr"/>
+                </a:tc>
+                <a:tc>
+                  <a:txBody>
+                    <a:bodyPr/>
+                    <a:lstStyle/>
+                    <a:p>
+                      <a:pPr marL="0" marR="0" algn="ctr">
+                        <a:lnSpc>
+                          <a:spcPct val="115000"/>
+                        </a:lnSpc>
+                        <a:spcBef>
+                          <a:spcPts val="600"/>
+                        </a:spcBef>
+                        <a:spcAft>
+                          <a:spcPts val="600"/>
+                        </a:spcAft>
+                      </a:pPr>
+                      <a:r>
+                        <a:rPr lang="en-IN" sz="1050" dirty="0" err="1">
+                          <a:effectLst/>
+                        </a:rPr>
+                        <a:t>Opcode</a:t>
+                      </a:r>
+                      <a:endParaRPr lang="en-US" sz="1050" dirty="0">
+                        <a:effectLst/>
+                        <a:latin typeface="Calibri" panose="020F0502020204030204" pitchFamily="34" charset="0"/>
+                        <a:ea typeface="Calibri" panose="020F0502020204030204" pitchFamily="34" charset="0"/>
+                        <a:cs typeface="Times New Roman" panose="02020603050405020304" pitchFamily="18" charset="0"/>
+                      </a:endParaRPr>
+                    </a:p>
+                  </a:txBody>
+                  <a:tcPr marL="5090" marR="5090" marT="0" marB="0" anchor="ctr"/>
+                </a:tc>
+                <a:tc>
+                  <a:txBody>
+                    <a:bodyPr/>
+                    <a:lstStyle/>
+                    <a:p>
+                      <a:pPr marL="0" marR="0" algn="ctr">
+                        <a:lnSpc>
+                          <a:spcPct val="115000"/>
+                        </a:lnSpc>
+                        <a:spcBef>
+                          <a:spcPts val="600"/>
+                        </a:spcBef>
+                        <a:spcAft>
+                          <a:spcPts val="600"/>
+                        </a:spcAft>
+                      </a:pPr>
+                      <a:r>
+                        <a:rPr lang="en-IN" sz="1050">
+                          <a:effectLst/>
+                        </a:rPr>
+                        <a:t>Func</a:t>
+                      </a:r>
+                      <a:endParaRPr lang="en-US" sz="1050">
+                        <a:effectLst/>
+                        <a:latin typeface="Calibri" panose="020F0502020204030204" pitchFamily="34" charset="0"/>
+                        <a:ea typeface="Calibri" panose="020F0502020204030204" pitchFamily="34" charset="0"/>
+                        <a:cs typeface="Times New Roman" panose="02020603050405020304" pitchFamily="18" charset="0"/>
+                      </a:endParaRPr>
+                    </a:p>
+                  </a:txBody>
+                  <a:tcPr marL="5090" marR="5090" marT="0" marB="0" anchor="ctr"/>
+                </a:tc>
+                <a:tc>
+                  <a:txBody>
+                    <a:bodyPr/>
+                    <a:lstStyle/>
+                    <a:p>
+                      <a:pPr marL="0" marR="0" algn="ctr">
+                        <a:lnSpc>
+                          <a:spcPct val="115000"/>
+                        </a:lnSpc>
+                        <a:spcBef>
+                          <a:spcPts val="600"/>
+                        </a:spcBef>
+                        <a:spcAft>
+                          <a:spcPts val="600"/>
+                        </a:spcAft>
+                      </a:pPr>
+                      <a:r>
+                        <a:rPr lang="en-IN" sz="1050">
+                          <a:effectLst/>
+                        </a:rPr>
+                        <a:t>Format</a:t>
+                      </a:r>
+                      <a:endParaRPr lang="en-US" sz="1050">
+                        <a:effectLst/>
+                        <a:latin typeface="Calibri" panose="020F0502020204030204" pitchFamily="34" charset="0"/>
+                        <a:ea typeface="Calibri" panose="020F0502020204030204" pitchFamily="34" charset="0"/>
+                        <a:cs typeface="Times New Roman" panose="02020603050405020304" pitchFamily="18" charset="0"/>
+                      </a:endParaRPr>
+                    </a:p>
+                  </a:txBody>
+                  <a:tcPr marL="5090" marR="5090" marT="0" marB="0" anchor="ctr"/>
+                </a:tc>
+              </a:tr>
+              <a:tr h="233412">
+                <a:tc>
+                  <a:txBody>
+                    <a:bodyPr/>
+                    <a:lstStyle/>
+                    <a:p>
+                      <a:pPr marL="0" marR="0">
+                        <a:lnSpc>
+                          <a:spcPct val="115000"/>
+                        </a:lnSpc>
+                        <a:spcBef>
+                          <a:spcPts val="600"/>
+                        </a:spcBef>
+                        <a:spcAft>
+                          <a:spcPts val="600"/>
+                        </a:spcAft>
+                      </a:pPr>
+                      <a:r>
+                        <a:rPr lang="en-IN" sz="1050">
+                          <a:effectLst/>
+                        </a:rPr>
+                        <a:t>Add</a:t>
+                      </a:r>
+                      <a:endParaRPr lang="en-US" sz="1050">
+                        <a:effectLst/>
+                        <a:latin typeface="Calibri" panose="020F0502020204030204" pitchFamily="34" charset="0"/>
+                        <a:ea typeface="Calibri" panose="020F0502020204030204" pitchFamily="34" charset="0"/>
+                        <a:cs typeface="Times New Roman" panose="02020603050405020304" pitchFamily="18" charset="0"/>
+                      </a:endParaRPr>
+                    </a:p>
+                  </a:txBody>
+                  <a:tcPr marL="5090" marR="5090" marT="0" marB="0" anchor="ctr"/>
+                </a:tc>
+                <a:tc>
+                  <a:txBody>
+                    <a:bodyPr/>
+                    <a:lstStyle/>
+                    <a:p>
+                      <a:pPr marL="0" marR="0" algn="just">
+                        <a:lnSpc>
+                          <a:spcPct val="115000"/>
+                        </a:lnSpc>
+                        <a:spcBef>
+                          <a:spcPts val="600"/>
+                        </a:spcBef>
+                        <a:spcAft>
+                          <a:spcPts val="600"/>
+                        </a:spcAft>
+                      </a:pPr>
+                      <a:r>
+                        <a:rPr lang="en-IN" sz="1050" dirty="0">
+                          <a:effectLst/>
+                          <a:latin typeface="Courier New" panose="02070309020205020404" pitchFamily="49" charset="0"/>
+                          <a:cs typeface="Courier New" panose="02070309020205020404" pitchFamily="49" charset="0"/>
+                        </a:rPr>
+                        <a:t>add</a:t>
+                      </a:r>
+                      <a:endParaRPr lang="en-US" sz="1050" dirty="0">
+                        <a:effectLst/>
+                        <a:latin typeface="Courier New" panose="02070309020205020404" pitchFamily="49" charset="0"/>
+                        <a:ea typeface="Calibri" panose="020F0502020204030204" pitchFamily="34" charset="0"/>
+                        <a:cs typeface="Courier New" panose="02070309020205020404" pitchFamily="49" charset="0"/>
+                      </a:endParaRPr>
+                    </a:p>
+                  </a:txBody>
+                  <a:tcPr marL="5090" marR="5090" marT="0" marB="0" anchor="ctr"/>
+                </a:tc>
+                <a:tc>
+                  <a:txBody>
+                    <a:bodyPr/>
+                    <a:lstStyle/>
+                    <a:p>
+                      <a:pPr marL="0" marR="0" algn="just">
+                        <a:lnSpc>
+                          <a:spcPct val="115000"/>
+                        </a:lnSpc>
+                        <a:spcBef>
+                          <a:spcPts val="600"/>
+                        </a:spcBef>
+                        <a:spcAft>
+                          <a:spcPts val="600"/>
+                        </a:spcAft>
+                      </a:pPr>
+                      <a:r>
+                        <a:rPr lang="en-IN" sz="1050" dirty="0">
+                          <a:effectLst/>
+                          <a:latin typeface="Courier New" panose="02070309020205020404" pitchFamily="49" charset="0"/>
+                          <a:cs typeface="Courier New" panose="02070309020205020404" pitchFamily="49" charset="0"/>
+                        </a:rPr>
+                        <a:t>0000</a:t>
+                      </a:r>
+                      <a:endParaRPr lang="en-US" sz="1050" dirty="0">
+                        <a:effectLst/>
+                        <a:latin typeface="Courier New" panose="02070309020205020404" pitchFamily="49" charset="0"/>
+                        <a:ea typeface="Calibri" panose="020F0502020204030204" pitchFamily="34" charset="0"/>
+                        <a:cs typeface="Courier New" panose="02070309020205020404" pitchFamily="49" charset="0"/>
+                      </a:endParaRPr>
+                    </a:p>
+                  </a:txBody>
+                  <a:tcPr marL="5090" marR="5090" marT="0" marB="0" anchor="ctr"/>
+                </a:tc>
+                <a:tc>
+                  <a:txBody>
+                    <a:bodyPr/>
+                    <a:lstStyle/>
+                    <a:p>
+                      <a:pPr marL="0" marR="0" algn="just">
+                        <a:lnSpc>
+                          <a:spcPct val="115000"/>
+                        </a:lnSpc>
+                        <a:spcBef>
+                          <a:spcPts val="600"/>
+                        </a:spcBef>
+                        <a:spcAft>
+                          <a:spcPts val="600"/>
+                        </a:spcAft>
+                      </a:pPr>
+                      <a:r>
+                        <a:rPr lang="en-IN" sz="1050">
+                          <a:effectLst/>
+                          <a:latin typeface="Courier New" panose="02070309020205020404" pitchFamily="49" charset="0"/>
+                          <a:cs typeface="Courier New" panose="02070309020205020404" pitchFamily="49" charset="0"/>
+                        </a:rPr>
+                        <a:t>100</a:t>
+                      </a:r>
+                      <a:endParaRPr lang="en-US" sz="1050">
+                        <a:effectLst/>
+                        <a:latin typeface="Courier New" panose="02070309020205020404" pitchFamily="49" charset="0"/>
+                        <a:ea typeface="Calibri" panose="020F0502020204030204" pitchFamily="34" charset="0"/>
+                        <a:cs typeface="Courier New" panose="02070309020205020404" pitchFamily="49" charset="0"/>
+                      </a:endParaRPr>
+                    </a:p>
+                  </a:txBody>
+                  <a:tcPr marL="5090" marR="5090" marT="0" marB="0" anchor="ctr"/>
+                </a:tc>
+                <a:tc>
+                  <a:txBody>
+                    <a:bodyPr/>
+                    <a:lstStyle/>
+                    <a:p>
+                      <a:pPr marL="0" marR="0" algn="just">
+                        <a:lnSpc>
+                          <a:spcPct val="115000"/>
+                        </a:lnSpc>
+                        <a:spcBef>
+                          <a:spcPts val="600"/>
+                        </a:spcBef>
+                        <a:spcAft>
+                          <a:spcPts val="600"/>
+                        </a:spcAft>
+                      </a:pPr>
+                      <a:r>
+                        <a:rPr lang="en-IN" sz="1050" dirty="0">
+                          <a:effectLst/>
+                          <a:latin typeface="+mn-lt"/>
+                          <a:cs typeface="Courier New" panose="02070309020205020404" pitchFamily="49" charset="0"/>
+                        </a:rPr>
+                        <a:t>R</a:t>
+                      </a:r>
+                      <a:endParaRPr lang="en-US" sz="1050" dirty="0">
+                        <a:effectLst/>
+                        <a:latin typeface="+mn-lt"/>
+                        <a:ea typeface="Calibri" panose="020F0502020204030204" pitchFamily="34" charset="0"/>
+                        <a:cs typeface="Courier New" panose="02070309020205020404" pitchFamily="49" charset="0"/>
+                      </a:endParaRPr>
+                    </a:p>
+                  </a:txBody>
+                  <a:tcPr marL="5090" marR="5090" marT="0" marB="0" anchor="ctr"/>
+                </a:tc>
+              </a:tr>
+              <a:tr h="233412">
+                <a:tc>
+                  <a:txBody>
+                    <a:bodyPr/>
+                    <a:lstStyle/>
+                    <a:p>
+                      <a:pPr marL="0" marR="0">
+                        <a:lnSpc>
+                          <a:spcPct val="115000"/>
+                        </a:lnSpc>
+                        <a:spcBef>
+                          <a:spcPts val="600"/>
+                        </a:spcBef>
+                        <a:spcAft>
+                          <a:spcPts val="600"/>
+                        </a:spcAft>
+                      </a:pPr>
+                      <a:r>
+                        <a:rPr lang="en-IN" sz="1050">
+                          <a:effectLst/>
+                        </a:rPr>
+                        <a:t>Add Immediate</a:t>
+                      </a:r>
+                      <a:endParaRPr lang="en-US" sz="1050">
+                        <a:effectLst/>
+                        <a:latin typeface="Calibri" panose="020F0502020204030204" pitchFamily="34" charset="0"/>
+                        <a:ea typeface="Calibri" panose="020F0502020204030204" pitchFamily="34" charset="0"/>
+                        <a:cs typeface="Times New Roman" panose="02020603050405020304" pitchFamily="18" charset="0"/>
+                      </a:endParaRPr>
+                    </a:p>
+                  </a:txBody>
+                  <a:tcPr marL="5090" marR="5090" marT="0" marB="0" anchor="ctr"/>
+                </a:tc>
+                <a:tc>
+                  <a:txBody>
+                    <a:bodyPr/>
+                    <a:lstStyle/>
+                    <a:p>
+                      <a:pPr marL="0" marR="0" algn="just">
+                        <a:lnSpc>
+                          <a:spcPct val="115000"/>
+                        </a:lnSpc>
+                        <a:spcBef>
+                          <a:spcPts val="600"/>
+                        </a:spcBef>
+                        <a:spcAft>
+                          <a:spcPts val="600"/>
+                        </a:spcAft>
+                      </a:pPr>
+                      <a:r>
+                        <a:rPr lang="en-IN" sz="1050" dirty="0" err="1">
+                          <a:effectLst/>
+                          <a:latin typeface="Courier New" panose="02070309020205020404" pitchFamily="49" charset="0"/>
+                          <a:cs typeface="Courier New" panose="02070309020205020404" pitchFamily="49" charset="0"/>
+                        </a:rPr>
+                        <a:t>addi</a:t>
+                      </a:r>
+                      <a:endParaRPr lang="en-US" sz="1050" dirty="0">
+                        <a:effectLst/>
+                        <a:latin typeface="Courier New" panose="02070309020205020404" pitchFamily="49" charset="0"/>
+                        <a:ea typeface="Calibri" panose="020F0502020204030204" pitchFamily="34" charset="0"/>
+                        <a:cs typeface="Courier New" panose="02070309020205020404" pitchFamily="49" charset="0"/>
+                      </a:endParaRPr>
+                    </a:p>
+                  </a:txBody>
+                  <a:tcPr marL="5090" marR="5090" marT="0" marB="0" anchor="ctr"/>
+                </a:tc>
+                <a:tc>
+                  <a:txBody>
+                    <a:bodyPr/>
+                    <a:lstStyle/>
+                    <a:p>
+                      <a:pPr marL="0" marR="0" algn="just">
+                        <a:lnSpc>
+                          <a:spcPct val="115000"/>
+                        </a:lnSpc>
+                        <a:spcBef>
+                          <a:spcPts val="600"/>
+                        </a:spcBef>
+                        <a:spcAft>
+                          <a:spcPts val="600"/>
+                        </a:spcAft>
+                      </a:pPr>
+                      <a:r>
+                        <a:rPr lang="en-IN" sz="1050">
+                          <a:effectLst/>
+                          <a:latin typeface="Courier New" panose="02070309020205020404" pitchFamily="49" charset="0"/>
+                          <a:cs typeface="Courier New" panose="02070309020205020404" pitchFamily="49" charset="0"/>
+                        </a:rPr>
+                        <a:t>0001</a:t>
+                      </a:r>
+                      <a:endParaRPr lang="en-US" sz="1050">
+                        <a:effectLst/>
+                        <a:latin typeface="Courier New" panose="02070309020205020404" pitchFamily="49" charset="0"/>
+                        <a:ea typeface="Calibri" panose="020F0502020204030204" pitchFamily="34" charset="0"/>
+                        <a:cs typeface="Courier New" panose="02070309020205020404" pitchFamily="49" charset="0"/>
+                      </a:endParaRPr>
+                    </a:p>
+                  </a:txBody>
+                  <a:tcPr marL="5090" marR="5090" marT="0" marB="0" anchor="ctr"/>
+                </a:tc>
+                <a:tc>
+                  <a:txBody>
+                    <a:bodyPr/>
+                    <a:lstStyle/>
+                    <a:p>
+                      <a:pPr marL="0" marR="0" algn="just">
+                        <a:lnSpc>
+                          <a:spcPct val="115000"/>
+                        </a:lnSpc>
+                        <a:spcBef>
+                          <a:spcPts val="600"/>
+                        </a:spcBef>
+                        <a:spcAft>
+                          <a:spcPts val="600"/>
+                        </a:spcAft>
+                      </a:pPr>
+                      <a:r>
+                        <a:rPr lang="en-IN" sz="1050">
+                          <a:effectLst/>
+                          <a:latin typeface="Courier New" panose="02070309020205020404" pitchFamily="49" charset="0"/>
+                          <a:cs typeface="Courier New" panose="02070309020205020404" pitchFamily="49" charset="0"/>
+                        </a:rPr>
+                        <a:t>-</a:t>
+                      </a:r>
+                      <a:endParaRPr lang="en-US" sz="1050">
+                        <a:effectLst/>
+                        <a:latin typeface="Courier New" panose="02070309020205020404" pitchFamily="49" charset="0"/>
+                        <a:ea typeface="Calibri" panose="020F0502020204030204" pitchFamily="34" charset="0"/>
+                        <a:cs typeface="Courier New" panose="02070309020205020404" pitchFamily="49" charset="0"/>
+                      </a:endParaRPr>
+                    </a:p>
+                  </a:txBody>
+                  <a:tcPr marL="5090" marR="5090" marT="0" marB="0" anchor="ctr"/>
+                </a:tc>
+                <a:tc>
+                  <a:txBody>
+                    <a:bodyPr/>
+                    <a:lstStyle/>
+                    <a:p>
+                      <a:pPr marL="0" marR="0" algn="just">
+                        <a:lnSpc>
+                          <a:spcPct val="115000"/>
+                        </a:lnSpc>
+                        <a:spcBef>
+                          <a:spcPts val="600"/>
+                        </a:spcBef>
+                        <a:spcAft>
+                          <a:spcPts val="600"/>
+                        </a:spcAft>
+                      </a:pPr>
+                      <a:r>
+                        <a:rPr lang="en-IN" sz="1050">
+                          <a:effectLst/>
+                          <a:latin typeface="+mn-lt"/>
+                          <a:cs typeface="Courier New" panose="02070309020205020404" pitchFamily="49" charset="0"/>
+                        </a:rPr>
+                        <a:t>I</a:t>
+                      </a:r>
+                      <a:endParaRPr lang="en-US" sz="1050">
+                        <a:effectLst/>
+                        <a:latin typeface="+mn-lt"/>
+                        <a:ea typeface="Calibri" panose="020F0502020204030204" pitchFamily="34" charset="0"/>
+                        <a:cs typeface="Courier New" panose="02070309020205020404" pitchFamily="49" charset="0"/>
+                      </a:endParaRPr>
+                    </a:p>
+                  </a:txBody>
+                  <a:tcPr marL="5090" marR="5090" marT="0" marB="0" anchor="ctr"/>
+                </a:tc>
+              </a:tr>
+              <a:tr h="217560">
+                <a:tc>
+                  <a:txBody>
+                    <a:bodyPr/>
+                    <a:lstStyle/>
+                    <a:p>
+                      <a:pPr marL="0" marR="0">
+                        <a:lnSpc>
+                          <a:spcPct val="115000"/>
+                        </a:lnSpc>
+                        <a:spcBef>
+                          <a:spcPts val="600"/>
+                        </a:spcBef>
+                        <a:spcAft>
+                          <a:spcPts val="600"/>
+                        </a:spcAft>
+                      </a:pPr>
+                      <a:r>
+                        <a:rPr lang="en-IN" sz="1050">
+                          <a:effectLst/>
+                        </a:rPr>
+                        <a:t>Bitwise AND</a:t>
+                      </a:r>
+                      <a:endParaRPr lang="en-US" sz="1050">
+                        <a:effectLst/>
+                        <a:latin typeface="Calibri" panose="020F0502020204030204" pitchFamily="34" charset="0"/>
+                        <a:ea typeface="Calibri" panose="020F0502020204030204" pitchFamily="34" charset="0"/>
+                        <a:cs typeface="Times New Roman" panose="02020603050405020304" pitchFamily="18" charset="0"/>
+                      </a:endParaRPr>
+                    </a:p>
+                  </a:txBody>
+                  <a:tcPr marL="5090" marR="5090" marT="0" marB="0" anchor="ctr"/>
+                </a:tc>
+                <a:tc>
+                  <a:txBody>
+                    <a:bodyPr/>
+                    <a:lstStyle/>
+                    <a:p>
+                      <a:pPr marL="0" marR="0" algn="just">
+                        <a:lnSpc>
+                          <a:spcPct val="115000"/>
+                        </a:lnSpc>
+                        <a:spcBef>
+                          <a:spcPts val="600"/>
+                        </a:spcBef>
+                        <a:spcAft>
+                          <a:spcPts val="600"/>
+                        </a:spcAft>
+                      </a:pPr>
+                      <a:r>
+                        <a:rPr lang="en-IN" sz="1050">
+                          <a:effectLst/>
+                          <a:latin typeface="Courier New" panose="02070309020205020404" pitchFamily="49" charset="0"/>
+                          <a:cs typeface="Courier New" panose="02070309020205020404" pitchFamily="49" charset="0"/>
+                        </a:rPr>
+                        <a:t>and</a:t>
+                      </a:r>
+                      <a:endParaRPr lang="en-US" sz="1050">
+                        <a:effectLst/>
+                        <a:latin typeface="Courier New" panose="02070309020205020404" pitchFamily="49" charset="0"/>
+                        <a:ea typeface="Calibri" panose="020F0502020204030204" pitchFamily="34" charset="0"/>
+                        <a:cs typeface="Courier New" panose="02070309020205020404" pitchFamily="49" charset="0"/>
+                      </a:endParaRPr>
+                    </a:p>
+                  </a:txBody>
+                  <a:tcPr marL="5090" marR="5090" marT="0" marB="0" anchor="ctr"/>
+                </a:tc>
+                <a:tc>
+                  <a:txBody>
+                    <a:bodyPr/>
+                    <a:lstStyle/>
+                    <a:p>
+                      <a:pPr marL="0" marR="0" algn="just">
+                        <a:lnSpc>
+                          <a:spcPct val="115000"/>
+                        </a:lnSpc>
+                        <a:spcBef>
+                          <a:spcPts val="600"/>
+                        </a:spcBef>
+                        <a:spcAft>
+                          <a:spcPts val="600"/>
+                        </a:spcAft>
+                      </a:pPr>
+                      <a:r>
+                        <a:rPr lang="en-IN" sz="1050">
+                          <a:effectLst/>
+                          <a:latin typeface="Courier New" panose="02070309020205020404" pitchFamily="49" charset="0"/>
+                          <a:cs typeface="Courier New" panose="02070309020205020404" pitchFamily="49" charset="0"/>
+                        </a:rPr>
+                        <a:t>0000</a:t>
+                      </a:r>
+                      <a:endParaRPr lang="en-US" sz="1050">
+                        <a:effectLst/>
+                        <a:latin typeface="Courier New" panose="02070309020205020404" pitchFamily="49" charset="0"/>
+                        <a:ea typeface="Calibri" panose="020F0502020204030204" pitchFamily="34" charset="0"/>
+                        <a:cs typeface="Courier New" panose="02070309020205020404" pitchFamily="49" charset="0"/>
+                      </a:endParaRPr>
+                    </a:p>
+                  </a:txBody>
+                  <a:tcPr marL="5090" marR="5090" marT="0" marB="0" anchor="ctr"/>
+                </a:tc>
+                <a:tc>
+                  <a:txBody>
+                    <a:bodyPr/>
+                    <a:lstStyle/>
+                    <a:p>
+                      <a:pPr marL="0" marR="0" algn="just">
+                        <a:lnSpc>
+                          <a:spcPct val="115000"/>
+                        </a:lnSpc>
+                        <a:spcBef>
+                          <a:spcPts val="600"/>
+                        </a:spcBef>
+                        <a:spcAft>
+                          <a:spcPts val="600"/>
+                        </a:spcAft>
+                      </a:pPr>
+                      <a:r>
+                        <a:rPr lang="en-IN" sz="1050">
+                          <a:effectLst/>
+                          <a:latin typeface="Courier New" panose="02070309020205020404" pitchFamily="49" charset="0"/>
+                          <a:cs typeface="Courier New" panose="02070309020205020404" pitchFamily="49" charset="0"/>
+                        </a:rPr>
+                        <a:t>101</a:t>
+                      </a:r>
+                      <a:endParaRPr lang="en-US" sz="1050">
+                        <a:effectLst/>
+                        <a:latin typeface="Courier New" panose="02070309020205020404" pitchFamily="49" charset="0"/>
+                        <a:ea typeface="Calibri" panose="020F0502020204030204" pitchFamily="34" charset="0"/>
+                        <a:cs typeface="Courier New" panose="02070309020205020404" pitchFamily="49" charset="0"/>
+                      </a:endParaRPr>
+                    </a:p>
+                  </a:txBody>
+                  <a:tcPr marL="5090" marR="5090" marT="0" marB="0" anchor="ctr"/>
+                </a:tc>
+                <a:tc>
+                  <a:txBody>
+                    <a:bodyPr/>
+                    <a:lstStyle/>
+                    <a:p>
+                      <a:pPr marL="0" marR="0" algn="just">
+                        <a:lnSpc>
+                          <a:spcPct val="115000"/>
+                        </a:lnSpc>
+                        <a:spcBef>
+                          <a:spcPts val="600"/>
+                        </a:spcBef>
+                        <a:spcAft>
+                          <a:spcPts val="600"/>
+                        </a:spcAft>
+                      </a:pPr>
+                      <a:r>
+                        <a:rPr lang="en-IN" sz="1050">
+                          <a:effectLst/>
+                          <a:latin typeface="+mn-lt"/>
+                          <a:cs typeface="Courier New" panose="02070309020205020404" pitchFamily="49" charset="0"/>
+                        </a:rPr>
+                        <a:t>R</a:t>
+                      </a:r>
+                      <a:endParaRPr lang="en-US" sz="1050">
+                        <a:effectLst/>
+                        <a:latin typeface="+mn-lt"/>
+                        <a:ea typeface="Calibri" panose="020F0502020204030204" pitchFamily="34" charset="0"/>
+                        <a:cs typeface="Courier New" panose="02070309020205020404" pitchFamily="49" charset="0"/>
+                      </a:endParaRPr>
+                    </a:p>
+                  </a:txBody>
+                  <a:tcPr marL="5090" marR="5090" marT="0" marB="0" anchor="ctr"/>
+                </a:tc>
+              </a:tr>
+              <a:tr h="217560">
+                <a:tc>
+                  <a:txBody>
+                    <a:bodyPr/>
+                    <a:lstStyle/>
+                    <a:p>
+                      <a:pPr marL="0" marR="0">
+                        <a:lnSpc>
+                          <a:spcPct val="115000"/>
+                        </a:lnSpc>
+                        <a:spcBef>
+                          <a:spcPts val="600"/>
+                        </a:spcBef>
+                        <a:spcAft>
+                          <a:spcPts val="600"/>
+                        </a:spcAft>
+                      </a:pPr>
+                      <a:r>
+                        <a:rPr lang="en-IN" sz="1050">
+                          <a:effectLst/>
+                        </a:rPr>
+                        <a:t>Bitwise AND Immediate</a:t>
+                      </a:r>
+                      <a:endParaRPr lang="en-US" sz="1050">
+                        <a:effectLst/>
+                        <a:latin typeface="Calibri" panose="020F0502020204030204" pitchFamily="34" charset="0"/>
+                        <a:ea typeface="Calibri" panose="020F0502020204030204" pitchFamily="34" charset="0"/>
+                        <a:cs typeface="Times New Roman" panose="02020603050405020304" pitchFamily="18" charset="0"/>
+                      </a:endParaRPr>
+                    </a:p>
+                  </a:txBody>
+                  <a:tcPr marL="5090" marR="5090" marT="0" marB="0" anchor="ctr"/>
+                </a:tc>
+                <a:tc>
+                  <a:txBody>
+                    <a:bodyPr/>
+                    <a:lstStyle/>
+                    <a:p>
+                      <a:pPr marL="0" marR="0" algn="just">
+                        <a:lnSpc>
+                          <a:spcPct val="115000"/>
+                        </a:lnSpc>
+                        <a:spcBef>
+                          <a:spcPts val="600"/>
+                        </a:spcBef>
+                        <a:spcAft>
+                          <a:spcPts val="600"/>
+                        </a:spcAft>
+                      </a:pPr>
+                      <a:r>
+                        <a:rPr lang="en-IN" sz="1050" dirty="0" err="1">
+                          <a:effectLst/>
+                          <a:latin typeface="Courier New" panose="02070309020205020404" pitchFamily="49" charset="0"/>
+                          <a:cs typeface="Courier New" panose="02070309020205020404" pitchFamily="49" charset="0"/>
+                        </a:rPr>
+                        <a:t>andi</a:t>
+                      </a:r>
+                      <a:endParaRPr lang="en-US" sz="1050" dirty="0">
+                        <a:effectLst/>
+                        <a:latin typeface="Courier New" panose="02070309020205020404" pitchFamily="49" charset="0"/>
+                        <a:ea typeface="Calibri" panose="020F0502020204030204" pitchFamily="34" charset="0"/>
+                        <a:cs typeface="Courier New" panose="02070309020205020404" pitchFamily="49" charset="0"/>
+                      </a:endParaRPr>
+                    </a:p>
+                  </a:txBody>
+                  <a:tcPr marL="5090" marR="5090" marT="0" marB="0" anchor="ctr"/>
+                </a:tc>
+                <a:tc>
+                  <a:txBody>
+                    <a:bodyPr/>
+                    <a:lstStyle/>
+                    <a:p>
+                      <a:pPr marL="0" marR="0" algn="just">
+                        <a:lnSpc>
+                          <a:spcPct val="115000"/>
+                        </a:lnSpc>
+                        <a:spcBef>
+                          <a:spcPts val="600"/>
+                        </a:spcBef>
+                        <a:spcAft>
+                          <a:spcPts val="600"/>
+                        </a:spcAft>
+                      </a:pPr>
+                      <a:r>
+                        <a:rPr lang="en-IN" sz="1050">
+                          <a:effectLst/>
+                          <a:latin typeface="Courier New" panose="02070309020205020404" pitchFamily="49" charset="0"/>
+                          <a:cs typeface="Courier New" panose="02070309020205020404" pitchFamily="49" charset="0"/>
+                        </a:rPr>
+                        <a:t>0010</a:t>
+                      </a:r>
+                      <a:endParaRPr lang="en-US" sz="1050">
+                        <a:effectLst/>
+                        <a:latin typeface="Courier New" panose="02070309020205020404" pitchFamily="49" charset="0"/>
+                        <a:ea typeface="Calibri" panose="020F0502020204030204" pitchFamily="34" charset="0"/>
+                        <a:cs typeface="Courier New" panose="02070309020205020404" pitchFamily="49" charset="0"/>
+                      </a:endParaRPr>
+                    </a:p>
+                  </a:txBody>
+                  <a:tcPr marL="5090" marR="5090" marT="0" marB="0" anchor="ctr"/>
+                </a:tc>
+                <a:tc>
+                  <a:txBody>
+                    <a:bodyPr/>
+                    <a:lstStyle/>
+                    <a:p>
+                      <a:pPr marL="0" marR="0" algn="just">
+                        <a:lnSpc>
+                          <a:spcPct val="115000"/>
+                        </a:lnSpc>
+                        <a:spcBef>
+                          <a:spcPts val="600"/>
+                        </a:spcBef>
+                        <a:spcAft>
+                          <a:spcPts val="600"/>
+                        </a:spcAft>
+                      </a:pPr>
+                      <a:r>
+                        <a:rPr lang="en-IN" sz="1050">
+                          <a:effectLst/>
+                          <a:latin typeface="Courier New" panose="02070309020205020404" pitchFamily="49" charset="0"/>
+                          <a:cs typeface="Courier New" panose="02070309020205020404" pitchFamily="49" charset="0"/>
+                        </a:rPr>
+                        <a:t>-</a:t>
+                      </a:r>
+                      <a:endParaRPr lang="en-US" sz="1050">
+                        <a:effectLst/>
+                        <a:latin typeface="Courier New" panose="02070309020205020404" pitchFamily="49" charset="0"/>
+                        <a:ea typeface="Calibri" panose="020F0502020204030204" pitchFamily="34" charset="0"/>
+                        <a:cs typeface="Courier New" panose="02070309020205020404" pitchFamily="49" charset="0"/>
+                      </a:endParaRPr>
+                    </a:p>
+                  </a:txBody>
+                  <a:tcPr marL="5090" marR="5090" marT="0" marB="0" anchor="ctr"/>
+                </a:tc>
+                <a:tc>
+                  <a:txBody>
+                    <a:bodyPr/>
+                    <a:lstStyle/>
+                    <a:p>
+                      <a:pPr marL="0" marR="0" algn="just">
+                        <a:lnSpc>
+                          <a:spcPct val="115000"/>
+                        </a:lnSpc>
+                        <a:spcBef>
+                          <a:spcPts val="600"/>
+                        </a:spcBef>
+                        <a:spcAft>
+                          <a:spcPts val="600"/>
+                        </a:spcAft>
+                      </a:pPr>
+                      <a:r>
+                        <a:rPr lang="en-IN" sz="1050">
+                          <a:effectLst/>
+                          <a:latin typeface="+mn-lt"/>
+                          <a:cs typeface="Courier New" panose="02070309020205020404" pitchFamily="49" charset="0"/>
+                        </a:rPr>
+                        <a:t>I</a:t>
+                      </a:r>
+                      <a:endParaRPr lang="en-US" sz="1050">
+                        <a:effectLst/>
+                        <a:latin typeface="+mn-lt"/>
+                        <a:ea typeface="Calibri" panose="020F0502020204030204" pitchFamily="34" charset="0"/>
+                        <a:cs typeface="Courier New" panose="02070309020205020404" pitchFamily="49" charset="0"/>
+                      </a:endParaRPr>
+                    </a:p>
+                  </a:txBody>
+                  <a:tcPr marL="5090" marR="5090" marT="0" marB="0" anchor="ctr"/>
+                </a:tc>
+              </a:tr>
+              <a:tr h="280966">
+                <a:tc>
+                  <a:txBody>
+                    <a:bodyPr/>
+                    <a:lstStyle/>
+                    <a:p>
+                      <a:pPr marL="0" marR="0">
+                        <a:lnSpc>
+                          <a:spcPct val="115000"/>
+                        </a:lnSpc>
+                        <a:spcBef>
+                          <a:spcPts val="600"/>
+                        </a:spcBef>
+                        <a:spcAft>
+                          <a:spcPts val="600"/>
+                        </a:spcAft>
+                      </a:pPr>
+                      <a:r>
+                        <a:rPr lang="en-IN" sz="1050">
+                          <a:effectLst/>
+                        </a:rPr>
+                        <a:t>Branch if Equal</a:t>
+                      </a:r>
+                      <a:endParaRPr lang="en-US" sz="1050">
+                        <a:effectLst/>
+                        <a:latin typeface="Calibri" panose="020F0502020204030204" pitchFamily="34" charset="0"/>
+                        <a:ea typeface="Calibri" panose="020F0502020204030204" pitchFamily="34" charset="0"/>
+                        <a:cs typeface="Times New Roman" panose="02020603050405020304" pitchFamily="18" charset="0"/>
+                      </a:endParaRPr>
+                    </a:p>
+                  </a:txBody>
+                  <a:tcPr marL="5090" marR="5090" marT="0" marB="0" anchor="ctr"/>
+                </a:tc>
+                <a:tc>
+                  <a:txBody>
+                    <a:bodyPr/>
+                    <a:lstStyle/>
+                    <a:p>
+                      <a:pPr marL="0" marR="0" algn="just">
+                        <a:lnSpc>
+                          <a:spcPct val="115000"/>
+                        </a:lnSpc>
+                        <a:spcBef>
+                          <a:spcPts val="600"/>
+                        </a:spcBef>
+                        <a:spcAft>
+                          <a:spcPts val="600"/>
+                        </a:spcAft>
+                      </a:pPr>
+                      <a:r>
+                        <a:rPr lang="en-IN" sz="1050" dirty="0" err="1">
+                          <a:effectLst/>
+                          <a:latin typeface="Courier New" panose="02070309020205020404" pitchFamily="49" charset="0"/>
+                          <a:cs typeface="Courier New" panose="02070309020205020404" pitchFamily="49" charset="0"/>
+                        </a:rPr>
+                        <a:t>beq</a:t>
+                      </a:r>
+                      <a:endParaRPr lang="en-US" sz="1050" dirty="0">
+                        <a:effectLst/>
+                        <a:latin typeface="Courier New" panose="02070309020205020404" pitchFamily="49" charset="0"/>
+                        <a:ea typeface="Calibri" panose="020F0502020204030204" pitchFamily="34" charset="0"/>
+                        <a:cs typeface="Courier New" panose="02070309020205020404" pitchFamily="49" charset="0"/>
+                      </a:endParaRPr>
+                    </a:p>
+                  </a:txBody>
+                  <a:tcPr marL="5090" marR="5090" marT="0" marB="0" anchor="ctr"/>
+                </a:tc>
+                <a:tc>
+                  <a:txBody>
+                    <a:bodyPr/>
+                    <a:lstStyle/>
+                    <a:p>
+                      <a:pPr marL="0" marR="0" algn="just">
+                        <a:lnSpc>
+                          <a:spcPct val="115000"/>
+                        </a:lnSpc>
+                        <a:spcBef>
+                          <a:spcPts val="600"/>
+                        </a:spcBef>
+                        <a:spcAft>
+                          <a:spcPts val="600"/>
+                        </a:spcAft>
+                      </a:pPr>
+                      <a:r>
+                        <a:rPr lang="en-IN" sz="1050">
+                          <a:effectLst/>
+                          <a:latin typeface="Courier New" panose="02070309020205020404" pitchFamily="49" charset="0"/>
+                          <a:cs typeface="Courier New" panose="02070309020205020404" pitchFamily="49" charset="0"/>
+                        </a:rPr>
+                        <a:t>0011</a:t>
+                      </a:r>
+                      <a:endParaRPr lang="en-US" sz="1050">
+                        <a:effectLst/>
+                        <a:latin typeface="Courier New" panose="02070309020205020404" pitchFamily="49" charset="0"/>
+                        <a:ea typeface="Calibri" panose="020F0502020204030204" pitchFamily="34" charset="0"/>
+                        <a:cs typeface="Courier New" panose="02070309020205020404" pitchFamily="49" charset="0"/>
+                      </a:endParaRPr>
+                    </a:p>
+                  </a:txBody>
+                  <a:tcPr marL="5090" marR="5090" marT="0" marB="0" anchor="ctr"/>
+                </a:tc>
+                <a:tc>
+                  <a:txBody>
+                    <a:bodyPr/>
+                    <a:lstStyle/>
+                    <a:p>
+                      <a:pPr marL="0" marR="0" algn="just">
+                        <a:lnSpc>
+                          <a:spcPct val="115000"/>
+                        </a:lnSpc>
+                        <a:spcBef>
+                          <a:spcPts val="600"/>
+                        </a:spcBef>
+                        <a:spcAft>
+                          <a:spcPts val="600"/>
+                        </a:spcAft>
+                      </a:pPr>
+                      <a:r>
+                        <a:rPr lang="en-IN" sz="1050">
+                          <a:effectLst/>
+                          <a:latin typeface="Courier New" panose="02070309020205020404" pitchFamily="49" charset="0"/>
+                          <a:cs typeface="Courier New" panose="02070309020205020404" pitchFamily="49" charset="0"/>
+                        </a:rPr>
+                        <a:t>-</a:t>
+                      </a:r>
+                      <a:endParaRPr lang="en-US" sz="1050">
+                        <a:effectLst/>
+                        <a:latin typeface="Courier New" panose="02070309020205020404" pitchFamily="49" charset="0"/>
+                        <a:ea typeface="Calibri" panose="020F0502020204030204" pitchFamily="34" charset="0"/>
+                        <a:cs typeface="Courier New" panose="02070309020205020404" pitchFamily="49" charset="0"/>
+                      </a:endParaRPr>
+                    </a:p>
+                  </a:txBody>
+                  <a:tcPr marL="5090" marR="5090" marT="0" marB="0" anchor="ctr"/>
+                </a:tc>
+                <a:tc>
+                  <a:txBody>
+                    <a:bodyPr/>
+                    <a:lstStyle/>
+                    <a:p>
+                      <a:pPr marL="0" marR="0" algn="just">
+                        <a:lnSpc>
+                          <a:spcPct val="115000"/>
+                        </a:lnSpc>
+                        <a:spcBef>
+                          <a:spcPts val="600"/>
+                        </a:spcBef>
+                        <a:spcAft>
+                          <a:spcPts val="600"/>
+                        </a:spcAft>
+                      </a:pPr>
+                      <a:r>
+                        <a:rPr lang="en-IN" sz="1050" dirty="0">
+                          <a:effectLst/>
+                          <a:latin typeface="+mn-lt"/>
+                          <a:cs typeface="Courier New" panose="02070309020205020404" pitchFamily="49" charset="0"/>
+                        </a:rPr>
+                        <a:t>I</a:t>
+                      </a:r>
+                      <a:endParaRPr lang="en-US" sz="1050" dirty="0">
+                        <a:effectLst/>
+                        <a:latin typeface="+mn-lt"/>
+                        <a:ea typeface="Calibri" panose="020F0502020204030204" pitchFamily="34" charset="0"/>
+                        <a:cs typeface="Courier New" panose="02070309020205020404" pitchFamily="49" charset="0"/>
+                      </a:endParaRPr>
+                    </a:p>
+                  </a:txBody>
+                  <a:tcPr marL="5090" marR="5090" marT="0" marB="0" anchor="ctr"/>
+                </a:tc>
+              </a:tr>
+              <a:tr h="280966">
+                <a:tc>
+                  <a:txBody>
+                    <a:bodyPr/>
+                    <a:lstStyle/>
+                    <a:p>
+                      <a:pPr marL="0" marR="0">
+                        <a:lnSpc>
+                          <a:spcPct val="115000"/>
+                        </a:lnSpc>
+                        <a:spcBef>
+                          <a:spcPts val="600"/>
+                        </a:spcBef>
+                        <a:spcAft>
+                          <a:spcPts val="600"/>
+                        </a:spcAft>
+                      </a:pPr>
+                      <a:r>
+                        <a:rPr lang="en-IN" sz="1050">
+                          <a:effectLst/>
+                        </a:rPr>
+                        <a:t>Branch if Not Equal</a:t>
+                      </a:r>
+                      <a:endParaRPr lang="en-US" sz="1050">
+                        <a:effectLst/>
+                        <a:latin typeface="Calibri" panose="020F0502020204030204" pitchFamily="34" charset="0"/>
+                        <a:ea typeface="Calibri" panose="020F0502020204030204" pitchFamily="34" charset="0"/>
+                        <a:cs typeface="Times New Roman" panose="02020603050405020304" pitchFamily="18" charset="0"/>
+                      </a:endParaRPr>
+                    </a:p>
+                  </a:txBody>
+                  <a:tcPr marL="5090" marR="5090" marT="0" marB="0" anchor="ctr"/>
+                </a:tc>
+                <a:tc>
+                  <a:txBody>
+                    <a:bodyPr/>
+                    <a:lstStyle/>
+                    <a:p>
+                      <a:pPr marL="0" marR="0" algn="just">
+                        <a:lnSpc>
+                          <a:spcPct val="115000"/>
+                        </a:lnSpc>
+                        <a:spcBef>
+                          <a:spcPts val="600"/>
+                        </a:spcBef>
+                        <a:spcAft>
+                          <a:spcPts val="600"/>
+                        </a:spcAft>
+                      </a:pPr>
+                      <a:r>
+                        <a:rPr lang="en-IN" sz="1050" dirty="0" err="1">
+                          <a:effectLst/>
+                          <a:latin typeface="Courier New" panose="02070309020205020404" pitchFamily="49" charset="0"/>
+                          <a:cs typeface="Courier New" panose="02070309020205020404" pitchFamily="49" charset="0"/>
+                        </a:rPr>
+                        <a:t>bne</a:t>
+                      </a:r>
+                      <a:endParaRPr lang="en-US" sz="1050" dirty="0">
+                        <a:effectLst/>
+                        <a:latin typeface="Courier New" panose="02070309020205020404" pitchFamily="49" charset="0"/>
+                        <a:ea typeface="Calibri" panose="020F0502020204030204" pitchFamily="34" charset="0"/>
+                        <a:cs typeface="Courier New" panose="02070309020205020404" pitchFamily="49" charset="0"/>
+                      </a:endParaRPr>
+                    </a:p>
+                  </a:txBody>
+                  <a:tcPr marL="5090" marR="5090" marT="0" marB="0" anchor="ctr"/>
+                </a:tc>
+                <a:tc>
+                  <a:txBody>
+                    <a:bodyPr/>
+                    <a:lstStyle/>
+                    <a:p>
+                      <a:pPr marL="0" marR="0" algn="just">
+                        <a:lnSpc>
+                          <a:spcPct val="115000"/>
+                        </a:lnSpc>
+                        <a:spcBef>
+                          <a:spcPts val="600"/>
+                        </a:spcBef>
+                        <a:spcAft>
+                          <a:spcPts val="600"/>
+                        </a:spcAft>
+                      </a:pPr>
+                      <a:r>
+                        <a:rPr lang="en-IN" sz="1050">
+                          <a:effectLst/>
+                          <a:latin typeface="Courier New" panose="02070309020205020404" pitchFamily="49" charset="0"/>
+                          <a:cs typeface="Courier New" panose="02070309020205020404" pitchFamily="49" charset="0"/>
+                        </a:rPr>
+                        <a:t>0100</a:t>
+                      </a:r>
+                      <a:endParaRPr lang="en-US" sz="1050">
+                        <a:effectLst/>
+                        <a:latin typeface="Courier New" panose="02070309020205020404" pitchFamily="49" charset="0"/>
+                        <a:ea typeface="Calibri" panose="020F0502020204030204" pitchFamily="34" charset="0"/>
+                        <a:cs typeface="Courier New" panose="02070309020205020404" pitchFamily="49" charset="0"/>
+                      </a:endParaRPr>
+                    </a:p>
+                  </a:txBody>
+                  <a:tcPr marL="5090" marR="5090" marT="0" marB="0" anchor="ctr"/>
+                </a:tc>
+                <a:tc>
+                  <a:txBody>
+                    <a:bodyPr/>
+                    <a:lstStyle/>
+                    <a:p>
+                      <a:pPr marL="0" marR="0" algn="just">
+                        <a:lnSpc>
+                          <a:spcPct val="115000"/>
+                        </a:lnSpc>
+                        <a:spcBef>
+                          <a:spcPts val="600"/>
+                        </a:spcBef>
+                        <a:spcAft>
+                          <a:spcPts val="600"/>
+                        </a:spcAft>
+                      </a:pPr>
+                      <a:r>
+                        <a:rPr lang="en-IN" sz="1050">
+                          <a:effectLst/>
+                          <a:latin typeface="Courier New" panose="02070309020205020404" pitchFamily="49" charset="0"/>
+                          <a:cs typeface="Courier New" panose="02070309020205020404" pitchFamily="49" charset="0"/>
+                        </a:rPr>
+                        <a:t>-</a:t>
+                      </a:r>
+                      <a:endParaRPr lang="en-US" sz="1050">
+                        <a:effectLst/>
+                        <a:latin typeface="Courier New" panose="02070309020205020404" pitchFamily="49" charset="0"/>
+                        <a:ea typeface="Calibri" panose="020F0502020204030204" pitchFamily="34" charset="0"/>
+                        <a:cs typeface="Courier New" panose="02070309020205020404" pitchFamily="49" charset="0"/>
+                      </a:endParaRPr>
+                    </a:p>
+                  </a:txBody>
+                  <a:tcPr marL="5090" marR="5090" marT="0" marB="0" anchor="ctr"/>
+                </a:tc>
+                <a:tc>
+                  <a:txBody>
+                    <a:bodyPr/>
+                    <a:lstStyle/>
+                    <a:p>
+                      <a:pPr marL="0" marR="0" algn="just">
+                        <a:lnSpc>
+                          <a:spcPct val="115000"/>
+                        </a:lnSpc>
+                        <a:spcBef>
+                          <a:spcPts val="600"/>
+                        </a:spcBef>
+                        <a:spcAft>
+                          <a:spcPts val="600"/>
+                        </a:spcAft>
+                      </a:pPr>
+                      <a:r>
+                        <a:rPr lang="en-IN" sz="1050" dirty="0">
+                          <a:effectLst/>
+                          <a:latin typeface="+mn-lt"/>
+                          <a:cs typeface="Courier New" panose="02070309020205020404" pitchFamily="49" charset="0"/>
+                        </a:rPr>
+                        <a:t>I</a:t>
+                      </a:r>
+                      <a:endParaRPr lang="en-US" sz="1050" dirty="0">
+                        <a:effectLst/>
+                        <a:latin typeface="+mn-lt"/>
+                        <a:ea typeface="Calibri" panose="020F0502020204030204" pitchFamily="34" charset="0"/>
+                        <a:cs typeface="Courier New" panose="02070309020205020404" pitchFamily="49" charset="0"/>
+                      </a:endParaRPr>
+                    </a:p>
+                  </a:txBody>
+                  <a:tcPr marL="5090" marR="5090" marT="0" marB="0" anchor="ctr"/>
+                </a:tc>
+              </a:tr>
+              <a:tr h="211503">
+                <a:tc>
+                  <a:txBody>
+                    <a:bodyPr/>
+                    <a:lstStyle/>
+                    <a:p>
+                      <a:pPr marL="0" marR="0">
+                        <a:lnSpc>
+                          <a:spcPct val="115000"/>
+                        </a:lnSpc>
+                        <a:spcBef>
+                          <a:spcPts val="600"/>
+                        </a:spcBef>
+                        <a:spcAft>
+                          <a:spcPts val="600"/>
+                        </a:spcAft>
+                      </a:pPr>
+                      <a:r>
+                        <a:rPr lang="en-IN" sz="1050">
+                          <a:effectLst/>
+                        </a:rPr>
+                        <a:t>Jump to Address</a:t>
+                      </a:r>
+                      <a:endParaRPr lang="en-US" sz="1050">
+                        <a:effectLst/>
+                        <a:latin typeface="Calibri" panose="020F0502020204030204" pitchFamily="34" charset="0"/>
+                        <a:ea typeface="Calibri" panose="020F0502020204030204" pitchFamily="34" charset="0"/>
+                        <a:cs typeface="Times New Roman" panose="02020603050405020304" pitchFamily="18" charset="0"/>
+                      </a:endParaRPr>
+                    </a:p>
+                  </a:txBody>
+                  <a:tcPr marL="5090" marR="5090" marT="0" marB="0" anchor="ctr"/>
+                </a:tc>
+                <a:tc>
+                  <a:txBody>
+                    <a:bodyPr/>
+                    <a:lstStyle/>
+                    <a:p>
+                      <a:pPr marL="0" marR="0" algn="just">
+                        <a:lnSpc>
+                          <a:spcPct val="115000"/>
+                        </a:lnSpc>
+                        <a:spcBef>
+                          <a:spcPts val="600"/>
+                        </a:spcBef>
+                        <a:spcAft>
+                          <a:spcPts val="600"/>
+                        </a:spcAft>
+                      </a:pPr>
+                      <a:r>
+                        <a:rPr lang="en-IN" sz="1050">
+                          <a:effectLst/>
+                          <a:latin typeface="Courier New" panose="02070309020205020404" pitchFamily="49" charset="0"/>
+                          <a:cs typeface="Courier New" panose="02070309020205020404" pitchFamily="49" charset="0"/>
+                        </a:rPr>
+                        <a:t>j</a:t>
+                      </a:r>
+                      <a:endParaRPr lang="en-US" sz="1050">
+                        <a:effectLst/>
+                        <a:latin typeface="Courier New" panose="02070309020205020404" pitchFamily="49" charset="0"/>
+                        <a:ea typeface="Calibri" panose="020F0502020204030204" pitchFamily="34" charset="0"/>
+                        <a:cs typeface="Courier New" panose="02070309020205020404" pitchFamily="49" charset="0"/>
+                      </a:endParaRPr>
+                    </a:p>
+                  </a:txBody>
+                  <a:tcPr marL="5090" marR="5090" marT="0" marB="0" anchor="ctr"/>
+                </a:tc>
+                <a:tc>
+                  <a:txBody>
+                    <a:bodyPr/>
+                    <a:lstStyle/>
+                    <a:p>
+                      <a:pPr marL="0" marR="0" algn="just">
+                        <a:lnSpc>
+                          <a:spcPct val="115000"/>
+                        </a:lnSpc>
+                        <a:spcBef>
+                          <a:spcPts val="600"/>
+                        </a:spcBef>
+                        <a:spcAft>
+                          <a:spcPts val="600"/>
+                        </a:spcAft>
+                      </a:pPr>
+                      <a:r>
+                        <a:rPr lang="en-IN" sz="1050" dirty="0">
+                          <a:effectLst/>
+                          <a:latin typeface="Courier New" panose="02070309020205020404" pitchFamily="49" charset="0"/>
+                          <a:cs typeface="Courier New" panose="02070309020205020404" pitchFamily="49" charset="0"/>
+                        </a:rPr>
+                        <a:t>0101</a:t>
+                      </a:r>
+                      <a:endParaRPr lang="en-US" sz="1050" dirty="0">
+                        <a:effectLst/>
+                        <a:latin typeface="Courier New" panose="02070309020205020404" pitchFamily="49" charset="0"/>
+                        <a:ea typeface="Calibri" panose="020F0502020204030204" pitchFamily="34" charset="0"/>
+                        <a:cs typeface="Courier New" panose="02070309020205020404" pitchFamily="49" charset="0"/>
+                      </a:endParaRPr>
+                    </a:p>
+                  </a:txBody>
+                  <a:tcPr marL="5090" marR="5090" marT="0" marB="0" anchor="ctr"/>
+                </a:tc>
+                <a:tc>
+                  <a:txBody>
+                    <a:bodyPr/>
+                    <a:lstStyle/>
+                    <a:p>
+                      <a:pPr marL="0" marR="0" algn="just">
+                        <a:lnSpc>
+                          <a:spcPct val="115000"/>
+                        </a:lnSpc>
+                        <a:spcBef>
+                          <a:spcPts val="600"/>
+                        </a:spcBef>
+                        <a:spcAft>
+                          <a:spcPts val="600"/>
+                        </a:spcAft>
+                      </a:pPr>
+                      <a:r>
+                        <a:rPr lang="en-IN" sz="1050">
+                          <a:effectLst/>
+                          <a:latin typeface="Courier New" panose="02070309020205020404" pitchFamily="49" charset="0"/>
+                          <a:cs typeface="Courier New" panose="02070309020205020404" pitchFamily="49" charset="0"/>
+                        </a:rPr>
+                        <a:t>-</a:t>
+                      </a:r>
+                      <a:endParaRPr lang="en-US" sz="1050">
+                        <a:effectLst/>
+                        <a:latin typeface="Courier New" panose="02070309020205020404" pitchFamily="49" charset="0"/>
+                        <a:ea typeface="Calibri" panose="020F0502020204030204" pitchFamily="34" charset="0"/>
+                        <a:cs typeface="Courier New" panose="02070309020205020404" pitchFamily="49" charset="0"/>
+                      </a:endParaRPr>
+                    </a:p>
+                  </a:txBody>
+                  <a:tcPr marL="5090" marR="5090" marT="0" marB="0" anchor="ctr"/>
+                </a:tc>
+                <a:tc>
+                  <a:txBody>
+                    <a:bodyPr/>
+                    <a:lstStyle/>
+                    <a:p>
+                      <a:pPr marL="0" marR="0" algn="just">
+                        <a:lnSpc>
+                          <a:spcPct val="115000"/>
+                        </a:lnSpc>
+                        <a:spcBef>
+                          <a:spcPts val="600"/>
+                        </a:spcBef>
+                        <a:spcAft>
+                          <a:spcPts val="600"/>
+                        </a:spcAft>
+                      </a:pPr>
+                      <a:r>
+                        <a:rPr lang="en-IN" sz="1050" dirty="0">
+                          <a:effectLst/>
+                          <a:latin typeface="+mn-lt"/>
+                          <a:cs typeface="Courier New" panose="02070309020205020404" pitchFamily="49" charset="0"/>
+                        </a:rPr>
+                        <a:t>J</a:t>
+                      </a:r>
+                      <a:endParaRPr lang="en-US" sz="1050" dirty="0">
+                        <a:effectLst/>
+                        <a:latin typeface="+mn-lt"/>
+                        <a:ea typeface="Calibri" panose="020F0502020204030204" pitchFamily="34" charset="0"/>
+                        <a:cs typeface="Courier New" panose="02070309020205020404" pitchFamily="49" charset="0"/>
+                      </a:endParaRPr>
+                    </a:p>
+                  </a:txBody>
+                  <a:tcPr marL="5090" marR="5090" marT="0" marB="0" anchor="ctr"/>
+                </a:tc>
+              </a:tr>
+              <a:tr h="211503">
+                <a:tc>
+                  <a:txBody>
+                    <a:bodyPr/>
+                    <a:lstStyle/>
+                    <a:p>
+                      <a:pPr marL="0" marR="0">
+                        <a:lnSpc>
+                          <a:spcPct val="115000"/>
+                        </a:lnSpc>
+                        <a:spcBef>
+                          <a:spcPts val="600"/>
+                        </a:spcBef>
+                        <a:spcAft>
+                          <a:spcPts val="600"/>
+                        </a:spcAft>
+                      </a:pPr>
+                      <a:r>
+                        <a:rPr lang="en-IN" sz="1050">
+                          <a:effectLst/>
+                        </a:rPr>
+                        <a:t>Load Word</a:t>
+                      </a:r>
+                      <a:endParaRPr lang="en-US" sz="1050">
+                        <a:effectLst/>
+                        <a:latin typeface="Calibri" panose="020F0502020204030204" pitchFamily="34" charset="0"/>
+                        <a:ea typeface="Calibri" panose="020F0502020204030204" pitchFamily="34" charset="0"/>
+                        <a:cs typeface="Times New Roman" panose="02020603050405020304" pitchFamily="18" charset="0"/>
+                      </a:endParaRPr>
+                    </a:p>
+                  </a:txBody>
+                  <a:tcPr marL="5090" marR="5090" marT="0" marB="0" anchor="ctr"/>
+                </a:tc>
+                <a:tc>
+                  <a:txBody>
+                    <a:bodyPr/>
+                    <a:lstStyle/>
+                    <a:p>
+                      <a:pPr marL="0" marR="0" algn="just">
+                        <a:lnSpc>
+                          <a:spcPct val="115000"/>
+                        </a:lnSpc>
+                        <a:spcBef>
+                          <a:spcPts val="600"/>
+                        </a:spcBef>
+                        <a:spcAft>
+                          <a:spcPts val="600"/>
+                        </a:spcAft>
+                      </a:pPr>
+                      <a:r>
+                        <a:rPr lang="en-IN" sz="1050">
+                          <a:effectLst/>
+                          <a:latin typeface="Courier New" panose="02070309020205020404" pitchFamily="49" charset="0"/>
+                          <a:cs typeface="Courier New" panose="02070309020205020404" pitchFamily="49" charset="0"/>
+                        </a:rPr>
+                        <a:t>lw</a:t>
+                      </a:r>
+                      <a:endParaRPr lang="en-US" sz="1050">
+                        <a:effectLst/>
+                        <a:latin typeface="Courier New" panose="02070309020205020404" pitchFamily="49" charset="0"/>
+                        <a:ea typeface="Calibri" panose="020F0502020204030204" pitchFamily="34" charset="0"/>
+                        <a:cs typeface="Courier New" panose="02070309020205020404" pitchFamily="49" charset="0"/>
+                      </a:endParaRPr>
+                    </a:p>
+                  </a:txBody>
+                  <a:tcPr marL="5090" marR="5090" marT="0" marB="0" anchor="ctr"/>
+                </a:tc>
+                <a:tc>
+                  <a:txBody>
+                    <a:bodyPr/>
+                    <a:lstStyle/>
+                    <a:p>
+                      <a:pPr marL="0" marR="0" algn="just">
+                        <a:lnSpc>
+                          <a:spcPct val="115000"/>
+                        </a:lnSpc>
+                        <a:spcBef>
+                          <a:spcPts val="600"/>
+                        </a:spcBef>
+                        <a:spcAft>
+                          <a:spcPts val="600"/>
+                        </a:spcAft>
+                      </a:pPr>
+                      <a:r>
+                        <a:rPr lang="en-IN" sz="1050">
+                          <a:effectLst/>
+                          <a:latin typeface="Courier New" panose="02070309020205020404" pitchFamily="49" charset="0"/>
+                          <a:cs typeface="Courier New" panose="02070309020205020404" pitchFamily="49" charset="0"/>
+                        </a:rPr>
+                        <a:t>0111</a:t>
+                      </a:r>
+                      <a:endParaRPr lang="en-US" sz="1050">
+                        <a:effectLst/>
+                        <a:latin typeface="Courier New" panose="02070309020205020404" pitchFamily="49" charset="0"/>
+                        <a:ea typeface="Calibri" panose="020F0502020204030204" pitchFamily="34" charset="0"/>
+                        <a:cs typeface="Courier New" panose="02070309020205020404" pitchFamily="49" charset="0"/>
+                      </a:endParaRPr>
+                    </a:p>
+                  </a:txBody>
+                  <a:tcPr marL="5090" marR="5090" marT="0" marB="0" anchor="ctr"/>
+                </a:tc>
+                <a:tc>
+                  <a:txBody>
+                    <a:bodyPr/>
+                    <a:lstStyle/>
+                    <a:p>
+                      <a:pPr marL="0" marR="0" algn="just">
+                        <a:lnSpc>
+                          <a:spcPct val="115000"/>
+                        </a:lnSpc>
+                        <a:spcBef>
+                          <a:spcPts val="600"/>
+                        </a:spcBef>
+                        <a:spcAft>
+                          <a:spcPts val="600"/>
+                        </a:spcAft>
+                      </a:pPr>
+                      <a:r>
+                        <a:rPr lang="en-IN" sz="1050">
+                          <a:effectLst/>
+                          <a:latin typeface="Courier New" panose="02070309020205020404" pitchFamily="49" charset="0"/>
+                          <a:cs typeface="Courier New" panose="02070309020205020404" pitchFamily="49" charset="0"/>
+                        </a:rPr>
+                        <a:t>-</a:t>
+                      </a:r>
+                      <a:endParaRPr lang="en-US" sz="1050">
+                        <a:effectLst/>
+                        <a:latin typeface="Courier New" panose="02070309020205020404" pitchFamily="49" charset="0"/>
+                        <a:ea typeface="Calibri" panose="020F0502020204030204" pitchFamily="34" charset="0"/>
+                        <a:cs typeface="Courier New" panose="02070309020205020404" pitchFamily="49" charset="0"/>
+                      </a:endParaRPr>
+                    </a:p>
+                  </a:txBody>
+                  <a:tcPr marL="5090" marR="5090" marT="0" marB="0" anchor="ctr"/>
+                </a:tc>
+                <a:tc>
+                  <a:txBody>
+                    <a:bodyPr/>
+                    <a:lstStyle/>
+                    <a:p>
+                      <a:pPr marL="0" marR="0" algn="just">
+                        <a:lnSpc>
+                          <a:spcPct val="115000"/>
+                        </a:lnSpc>
+                        <a:spcBef>
+                          <a:spcPts val="600"/>
+                        </a:spcBef>
+                        <a:spcAft>
+                          <a:spcPts val="600"/>
+                        </a:spcAft>
+                      </a:pPr>
+                      <a:r>
+                        <a:rPr lang="en-IN" sz="1050" dirty="0">
+                          <a:effectLst/>
+                          <a:latin typeface="+mn-lt"/>
+                          <a:cs typeface="Courier New" panose="02070309020205020404" pitchFamily="49" charset="0"/>
+                        </a:rPr>
+                        <a:t>I</a:t>
+                      </a:r>
+                      <a:endParaRPr lang="en-US" sz="1050" dirty="0">
+                        <a:effectLst/>
+                        <a:latin typeface="+mn-lt"/>
+                        <a:ea typeface="Calibri" panose="020F0502020204030204" pitchFamily="34" charset="0"/>
+                        <a:cs typeface="Courier New" panose="02070309020205020404" pitchFamily="49" charset="0"/>
+                      </a:endParaRPr>
+                    </a:p>
+                  </a:txBody>
+                  <a:tcPr marL="5090" marR="5090" marT="0" marB="0" anchor="ctr"/>
+                </a:tc>
+              </a:tr>
+              <a:tr h="211503">
+                <a:tc>
+                  <a:txBody>
+                    <a:bodyPr/>
+                    <a:lstStyle/>
+                    <a:p>
+                      <a:pPr marL="0" marR="0">
+                        <a:lnSpc>
+                          <a:spcPct val="115000"/>
+                        </a:lnSpc>
+                        <a:spcBef>
+                          <a:spcPts val="600"/>
+                        </a:spcBef>
+                        <a:spcAft>
+                          <a:spcPts val="600"/>
+                        </a:spcAft>
+                      </a:pPr>
+                      <a:r>
+                        <a:rPr lang="en-IN" sz="1050">
+                          <a:effectLst/>
+                        </a:rPr>
+                        <a:t>Bitwise XOR</a:t>
+                      </a:r>
+                      <a:endParaRPr lang="en-US" sz="1050">
+                        <a:effectLst/>
+                        <a:latin typeface="Calibri" panose="020F0502020204030204" pitchFamily="34" charset="0"/>
+                        <a:ea typeface="Calibri" panose="020F0502020204030204" pitchFamily="34" charset="0"/>
+                        <a:cs typeface="Times New Roman" panose="02020603050405020304" pitchFamily="18" charset="0"/>
+                      </a:endParaRPr>
+                    </a:p>
+                  </a:txBody>
+                  <a:tcPr marL="5090" marR="5090" marT="0" marB="0" anchor="ctr"/>
+                </a:tc>
+                <a:tc>
+                  <a:txBody>
+                    <a:bodyPr/>
+                    <a:lstStyle/>
+                    <a:p>
+                      <a:pPr marL="0" marR="0" algn="just">
+                        <a:lnSpc>
+                          <a:spcPct val="115000"/>
+                        </a:lnSpc>
+                        <a:spcBef>
+                          <a:spcPts val="600"/>
+                        </a:spcBef>
+                        <a:spcAft>
+                          <a:spcPts val="600"/>
+                        </a:spcAft>
+                      </a:pPr>
+                      <a:r>
+                        <a:rPr lang="en-IN" sz="1050">
+                          <a:effectLst/>
+                          <a:latin typeface="Courier New" panose="02070309020205020404" pitchFamily="49" charset="0"/>
+                          <a:cs typeface="Courier New" panose="02070309020205020404" pitchFamily="49" charset="0"/>
+                        </a:rPr>
+                        <a:t>xor</a:t>
+                      </a:r>
+                      <a:endParaRPr lang="en-US" sz="1050">
+                        <a:effectLst/>
+                        <a:latin typeface="Courier New" panose="02070309020205020404" pitchFamily="49" charset="0"/>
+                        <a:ea typeface="Calibri" panose="020F0502020204030204" pitchFamily="34" charset="0"/>
+                        <a:cs typeface="Courier New" panose="02070309020205020404" pitchFamily="49" charset="0"/>
+                      </a:endParaRPr>
+                    </a:p>
+                  </a:txBody>
+                  <a:tcPr marL="5090" marR="5090" marT="0" marB="0" anchor="ctr"/>
+                </a:tc>
+                <a:tc>
+                  <a:txBody>
+                    <a:bodyPr/>
+                    <a:lstStyle/>
+                    <a:p>
+                      <a:pPr marL="0" marR="0" algn="just">
+                        <a:lnSpc>
+                          <a:spcPct val="115000"/>
+                        </a:lnSpc>
+                        <a:spcBef>
+                          <a:spcPts val="600"/>
+                        </a:spcBef>
+                        <a:spcAft>
+                          <a:spcPts val="600"/>
+                        </a:spcAft>
+                      </a:pPr>
+                      <a:r>
+                        <a:rPr lang="en-IN" sz="1050">
+                          <a:effectLst/>
+                          <a:latin typeface="Courier New" panose="02070309020205020404" pitchFamily="49" charset="0"/>
+                          <a:cs typeface="Courier New" panose="02070309020205020404" pitchFamily="49" charset="0"/>
+                        </a:rPr>
+                        <a:t>0000</a:t>
+                      </a:r>
+                      <a:endParaRPr lang="en-US" sz="1050">
+                        <a:effectLst/>
+                        <a:latin typeface="Courier New" panose="02070309020205020404" pitchFamily="49" charset="0"/>
+                        <a:ea typeface="Calibri" panose="020F0502020204030204" pitchFamily="34" charset="0"/>
+                        <a:cs typeface="Courier New" panose="02070309020205020404" pitchFamily="49" charset="0"/>
+                      </a:endParaRPr>
+                    </a:p>
+                  </a:txBody>
+                  <a:tcPr marL="5090" marR="5090" marT="0" marB="0" anchor="ctr"/>
+                </a:tc>
+                <a:tc>
+                  <a:txBody>
+                    <a:bodyPr/>
+                    <a:lstStyle/>
+                    <a:p>
+                      <a:pPr marL="0" marR="0" algn="just">
+                        <a:lnSpc>
+                          <a:spcPct val="115000"/>
+                        </a:lnSpc>
+                        <a:spcBef>
+                          <a:spcPts val="600"/>
+                        </a:spcBef>
+                        <a:spcAft>
+                          <a:spcPts val="600"/>
+                        </a:spcAft>
+                      </a:pPr>
+                      <a:r>
+                        <a:rPr lang="en-IN" sz="1050">
+                          <a:effectLst/>
+                          <a:latin typeface="Courier New" panose="02070309020205020404" pitchFamily="49" charset="0"/>
+                          <a:cs typeface="Courier New" panose="02070309020205020404" pitchFamily="49" charset="0"/>
+                        </a:rPr>
+                        <a:t>000</a:t>
+                      </a:r>
+                      <a:endParaRPr lang="en-US" sz="1050">
+                        <a:effectLst/>
+                        <a:latin typeface="Courier New" panose="02070309020205020404" pitchFamily="49" charset="0"/>
+                        <a:ea typeface="Calibri" panose="020F0502020204030204" pitchFamily="34" charset="0"/>
+                        <a:cs typeface="Courier New" panose="02070309020205020404" pitchFamily="49" charset="0"/>
+                      </a:endParaRPr>
+                    </a:p>
+                  </a:txBody>
+                  <a:tcPr marL="5090" marR="5090" marT="0" marB="0" anchor="ctr"/>
+                </a:tc>
+                <a:tc>
+                  <a:txBody>
+                    <a:bodyPr/>
+                    <a:lstStyle/>
+                    <a:p>
+                      <a:pPr marL="0" marR="0" algn="just">
+                        <a:lnSpc>
+                          <a:spcPct val="115000"/>
+                        </a:lnSpc>
+                        <a:spcBef>
+                          <a:spcPts val="600"/>
+                        </a:spcBef>
+                        <a:spcAft>
+                          <a:spcPts val="600"/>
+                        </a:spcAft>
+                      </a:pPr>
+                      <a:r>
+                        <a:rPr lang="en-IN" sz="1050">
+                          <a:effectLst/>
+                          <a:latin typeface="+mn-lt"/>
+                          <a:cs typeface="Courier New" panose="02070309020205020404" pitchFamily="49" charset="0"/>
+                        </a:rPr>
+                        <a:t>R</a:t>
+                      </a:r>
+                      <a:endParaRPr lang="en-US" sz="1050">
+                        <a:effectLst/>
+                        <a:latin typeface="+mn-lt"/>
+                        <a:ea typeface="Calibri" panose="020F0502020204030204" pitchFamily="34" charset="0"/>
+                        <a:cs typeface="Courier New" panose="02070309020205020404" pitchFamily="49" charset="0"/>
+                      </a:endParaRPr>
+                    </a:p>
+                  </a:txBody>
+                  <a:tcPr marL="5090" marR="5090" marT="0" marB="0" anchor="ctr"/>
+                </a:tc>
+              </a:tr>
+              <a:tr h="211503">
+                <a:tc>
+                  <a:txBody>
+                    <a:bodyPr/>
+                    <a:lstStyle/>
+                    <a:p>
+                      <a:pPr marL="0" marR="0">
+                        <a:lnSpc>
+                          <a:spcPct val="115000"/>
+                        </a:lnSpc>
+                        <a:spcBef>
+                          <a:spcPts val="600"/>
+                        </a:spcBef>
+                        <a:spcAft>
+                          <a:spcPts val="600"/>
+                        </a:spcAft>
+                      </a:pPr>
+                      <a:r>
+                        <a:rPr lang="en-IN" sz="1050">
+                          <a:effectLst/>
+                        </a:rPr>
+                        <a:t>Bitwise OR</a:t>
+                      </a:r>
+                      <a:endParaRPr lang="en-US" sz="1050">
+                        <a:effectLst/>
+                        <a:latin typeface="Calibri" panose="020F0502020204030204" pitchFamily="34" charset="0"/>
+                        <a:ea typeface="Calibri" panose="020F0502020204030204" pitchFamily="34" charset="0"/>
+                        <a:cs typeface="Times New Roman" panose="02020603050405020304" pitchFamily="18" charset="0"/>
+                      </a:endParaRPr>
+                    </a:p>
+                  </a:txBody>
+                  <a:tcPr marL="5090" marR="5090" marT="0" marB="0" anchor="ctr"/>
+                </a:tc>
+                <a:tc>
+                  <a:txBody>
+                    <a:bodyPr/>
+                    <a:lstStyle/>
+                    <a:p>
+                      <a:pPr marL="0" marR="0" algn="just">
+                        <a:lnSpc>
+                          <a:spcPct val="115000"/>
+                        </a:lnSpc>
+                        <a:spcBef>
+                          <a:spcPts val="600"/>
+                        </a:spcBef>
+                        <a:spcAft>
+                          <a:spcPts val="600"/>
+                        </a:spcAft>
+                      </a:pPr>
+                      <a:r>
+                        <a:rPr lang="en-IN" sz="1050">
+                          <a:effectLst/>
+                          <a:latin typeface="Courier New" panose="02070309020205020404" pitchFamily="49" charset="0"/>
+                          <a:cs typeface="Courier New" panose="02070309020205020404" pitchFamily="49" charset="0"/>
+                        </a:rPr>
+                        <a:t>or</a:t>
+                      </a:r>
+                      <a:endParaRPr lang="en-US" sz="1050">
+                        <a:effectLst/>
+                        <a:latin typeface="Courier New" panose="02070309020205020404" pitchFamily="49" charset="0"/>
+                        <a:ea typeface="Calibri" panose="020F0502020204030204" pitchFamily="34" charset="0"/>
+                        <a:cs typeface="Courier New" panose="02070309020205020404" pitchFamily="49" charset="0"/>
+                      </a:endParaRPr>
+                    </a:p>
+                  </a:txBody>
+                  <a:tcPr marL="5090" marR="5090" marT="0" marB="0" anchor="ctr"/>
+                </a:tc>
+                <a:tc>
+                  <a:txBody>
+                    <a:bodyPr/>
+                    <a:lstStyle/>
+                    <a:p>
+                      <a:pPr marL="0" marR="0" algn="just">
+                        <a:lnSpc>
+                          <a:spcPct val="115000"/>
+                        </a:lnSpc>
+                        <a:spcBef>
+                          <a:spcPts val="600"/>
+                        </a:spcBef>
+                        <a:spcAft>
+                          <a:spcPts val="600"/>
+                        </a:spcAft>
+                      </a:pPr>
+                      <a:r>
+                        <a:rPr lang="en-IN" sz="1050" dirty="0">
+                          <a:effectLst/>
+                          <a:latin typeface="Courier New" panose="02070309020205020404" pitchFamily="49" charset="0"/>
+                          <a:cs typeface="Courier New" panose="02070309020205020404" pitchFamily="49" charset="0"/>
+                        </a:rPr>
+                        <a:t>0000</a:t>
+                      </a:r>
+                      <a:endParaRPr lang="en-US" sz="1050" dirty="0">
+                        <a:effectLst/>
+                        <a:latin typeface="Courier New" panose="02070309020205020404" pitchFamily="49" charset="0"/>
+                        <a:ea typeface="Calibri" panose="020F0502020204030204" pitchFamily="34" charset="0"/>
+                        <a:cs typeface="Courier New" panose="02070309020205020404" pitchFamily="49" charset="0"/>
+                      </a:endParaRPr>
+                    </a:p>
+                  </a:txBody>
+                  <a:tcPr marL="5090" marR="5090" marT="0" marB="0" anchor="ctr"/>
+                </a:tc>
+                <a:tc>
+                  <a:txBody>
+                    <a:bodyPr/>
+                    <a:lstStyle/>
+                    <a:p>
+                      <a:pPr marL="0" marR="0" algn="just">
+                        <a:lnSpc>
+                          <a:spcPct val="115000"/>
+                        </a:lnSpc>
+                        <a:spcBef>
+                          <a:spcPts val="600"/>
+                        </a:spcBef>
+                        <a:spcAft>
+                          <a:spcPts val="600"/>
+                        </a:spcAft>
+                      </a:pPr>
+                      <a:r>
+                        <a:rPr lang="en-IN" sz="1050">
+                          <a:effectLst/>
+                          <a:latin typeface="Courier New" panose="02070309020205020404" pitchFamily="49" charset="0"/>
+                          <a:cs typeface="Courier New" panose="02070309020205020404" pitchFamily="49" charset="0"/>
+                        </a:rPr>
+                        <a:t>110</a:t>
+                      </a:r>
+                      <a:endParaRPr lang="en-US" sz="1050">
+                        <a:effectLst/>
+                        <a:latin typeface="Courier New" panose="02070309020205020404" pitchFamily="49" charset="0"/>
+                        <a:ea typeface="Calibri" panose="020F0502020204030204" pitchFamily="34" charset="0"/>
+                        <a:cs typeface="Courier New" panose="02070309020205020404" pitchFamily="49" charset="0"/>
+                      </a:endParaRPr>
+                    </a:p>
+                  </a:txBody>
+                  <a:tcPr marL="5090" marR="5090" marT="0" marB="0" anchor="ctr"/>
+                </a:tc>
+                <a:tc>
+                  <a:txBody>
+                    <a:bodyPr/>
+                    <a:lstStyle/>
+                    <a:p>
+                      <a:pPr marL="0" marR="0" algn="just">
+                        <a:lnSpc>
+                          <a:spcPct val="115000"/>
+                        </a:lnSpc>
+                        <a:spcBef>
+                          <a:spcPts val="600"/>
+                        </a:spcBef>
+                        <a:spcAft>
+                          <a:spcPts val="600"/>
+                        </a:spcAft>
+                      </a:pPr>
+                      <a:r>
+                        <a:rPr lang="en-IN" sz="1050" dirty="0">
+                          <a:effectLst/>
+                          <a:latin typeface="+mn-lt"/>
+                          <a:cs typeface="Courier New" panose="02070309020205020404" pitchFamily="49" charset="0"/>
+                        </a:rPr>
+                        <a:t>R</a:t>
+                      </a:r>
+                      <a:endParaRPr lang="en-US" sz="1050" dirty="0">
+                        <a:effectLst/>
+                        <a:latin typeface="+mn-lt"/>
+                        <a:ea typeface="Calibri" panose="020F0502020204030204" pitchFamily="34" charset="0"/>
+                        <a:cs typeface="Courier New" panose="02070309020205020404" pitchFamily="49" charset="0"/>
+                      </a:endParaRPr>
+                    </a:p>
+                  </a:txBody>
+                  <a:tcPr marL="5090" marR="5090" marT="0" marB="0" anchor="ctr"/>
+                </a:tc>
+              </a:tr>
+              <a:tr h="211503">
+                <a:tc>
+                  <a:txBody>
+                    <a:bodyPr/>
+                    <a:lstStyle/>
+                    <a:p>
+                      <a:pPr marL="0" marR="0">
+                        <a:lnSpc>
+                          <a:spcPct val="115000"/>
+                        </a:lnSpc>
+                        <a:spcBef>
+                          <a:spcPts val="600"/>
+                        </a:spcBef>
+                        <a:spcAft>
+                          <a:spcPts val="600"/>
+                        </a:spcAft>
+                      </a:pPr>
+                      <a:r>
+                        <a:rPr lang="en-IN" sz="1050">
+                          <a:effectLst/>
+                        </a:rPr>
+                        <a:t>Bitwise OR Immediate</a:t>
+                      </a:r>
+                      <a:endParaRPr lang="en-US" sz="1050">
+                        <a:effectLst/>
+                        <a:latin typeface="Calibri" panose="020F0502020204030204" pitchFamily="34" charset="0"/>
+                        <a:ea typeface="Calibri" panose="020F0502020204030204" pitchFamily="34" charset="0"/>
+                        <a:cs typeface="Times New Roman" panose="02020603050405020304" pitchFamily="18" charset="0"/>
+                      </a:endParaRPr>
+                    </a:p>
+                  </a:txBody>
+                  <a:tcPr marL="5090" marR="5090" marT="0" marB="0" anchor="ctr"/>
+                </a:tc>
+                <a:tc>
+                  <a:txBody>
+                    <a:bodyPr/>
+                    <a:lstStyle/>
+                    <a:p>
+                      <a:pPr marL="0" marR="0" algn="just">
+                        <a:lnSpc>
+                          <a:spcPct val="115000"/>
+                        </a:lnSpc>
+                        <a:spcBef>
+                          <a:spcPts val="600"/>
+                        </a:spcBef>
+                        <a:spcAft>
+                          <a:spcPts val="600"/>
+                        </a:spcAft>
+                      </a:pPr>
+                      <a:r>
+                        <a:rPr lang="en-IN" sz="1050">
+                          <a:effectLst/>
+                          <a:latin typeface="Courier New" panose="02070309020205020404" pitchFamily="49" charset="0"/>
+                          <a:cs typeface="Courier New" panose="02070309020205020404" pitchFamily="49" charset="0"/>
+                        </a:rPr>
+                        <a:t>ori</a:t>
+                      </a:r>
+                      <a:endParaRPr lang="en-US" sz="1050">
+                        <a:effectLst/>
+                        <a:latin typeface="Courier New" panose="02070309020205020404" pitchFamily="49" charset="0"/>
+                        <a:ea typeface="Calibri" panose="020F0502020204030204" pitchFamily="34" charset="0"/>
+                        <a:cs typeface="Courier New" panose="02070309020205020404" pitchFamily="49" charset="0"/>
+                      </a:endParaRPr>
+                    </a:p>
+                  </a:txBody>
+                  <a:tcPr marL="5090" marR="5090" marT="0" marB="0" anchor="ctr"/>
+                </a:tc>
+                <a:tc>
+                  <a:txBody>
+                    <a:bodyPr/>
+                    <a:lstStyle/>
+                    <a:p>
+                      <a:pPr marL="0" marR="0" algn="just">
+                        <a:lnSpc>
+                          <a:spcPct val="115000"/>
+                        </a:lnSpc>
+                        <a:spcBef>
+                          <a:spcPts val="600"/>
+                        </a:spcBef>
+                        <a:spcAft>
+                          <a:spcPts val="600"/>
+                        </a:spcAft>
+                      </a:pPr>
+                      <a:r>
+                        <a:rPr lang="en-IN" sz="1050">
+                          <a:effectLst/>
+                          <a:latin typeface="Courier New" panose="02070309020205020404" pitchFamily="49" charset="0"/>
+                          <a:cs typeface="Courier New" panose="02070309020205020404" pitchFamily="49" charset="0"/>
+                        </a:rPr>
+                        <a:t>1000</a:t>
+                      </a:r>
+                      <a:endParaRPr lang="en-US" sz="1050">
+                        <a:effectLst/>
+                        <a:latin typeface="Courier New" panose="02070309020205020404" pitchFamily="49" charset="0"/>
+                        <a:ea typeface="Calibri" panose="020F0502020204030204" pitchFamily="34" charset="0"/>
+                        <a:cs typeface="Courier New" panose="02070309020205020404" pitchFamily="49" charset="0"/>
+                      </a:endParaRPr>
+                    </a:p>
+                  </a:txBody>
+                  <a:tcPr marL="5090" marR="5090" marT="0" marB="0" anchor="ctr"/>
+                </a:tc>
+                <a:tc>
+                  <a:txBody>
+                    <a:bodyPr/>
+                    <a:lstStyle/>
+                    <a:p>
+                      <a:pPr marL="0" marR="0" algn="just">
+                        <a:lnSpc>
+                          <a:spcPct val="115000"/>
+                        </a:lnSpc>
+                        <a:spcBef>
+                          <a:spcPts val="600"/>
+                        </a:spcBef>
+                        <a:spcAft>
+                          <a:spcPts val="600"/>
+                        </a:spcAft>
+                      </a:pPr>
+                      <a:r>
+                        <a:rPr lang="en-IN" sz="1050" dirty="0">
+                          <a:effectLst/>
+                          <a:latin typeface="Courier New" panose="02070309020205020404" pitchFamily="49" charset="0"/>
+                          <a:cs typeface="Courier New" panose="02070309020205020404" pitchFamily="49" charset="0"/>
+                        </a:rPr>
+                        <a:t>-</a:t>
+                      </a:r>
+                      <a:endParaRPr lang="en-US" sz="1050" dirty="0">
+                        <a:effectLst/>
+                        <a:latin typeface="Courier New" panose="02070309020205020404" pitchFamily="49" charset="0"/>
+                        <a:ea typeface="Calibri" panose="020F0502020204030204" pitchFamily="34" charset="0"/>
+                        <a:cs typeface="Courier New" panose="02070309020205020404" pitchFamily="49" charset="0"/>
+                      </a:endParaRPr>
+                    </a:p>
+                  </a:txBody>
+                  <a:tcPr marL="5090" marR="5090" marT="0" marB="0" anchor="ctr"/>
+                </a:tc>
+                <a:tc>
+                  <a:txBody>
+                    <a:bodyPr/>
+                    <a:lstStyle/>
+                    <a:p>
+                      <a:pPr marL="0" marR="0" algn="just">
+                        <a:lnSpc>
+                          <a:spcPct val="115000"/>
+                        </a:lnSpc>
+                        <a:spcBef>
+                          <a:spcPts val="600"/>
+                        </a:spcBef>
+                        <a:spcAft>
+                          <a:spcPts val="600"/>
+                        </a:spcAft>
+                      </a:pPr>
+                      <a:r>
+                        <a:rPr lang="en-IN" sz="1050" dirty="0">
+                          <a:effectLst/>
+                          <a:latin typeface="+mn-lt"/>
+                          <a:cs typeface="Courier New" panose="02070309020205020404" pitchFamily="49" charset="0"/>
+                        </a:rPr>
+                        <a:t>I</a:t>
+                      </a:r>
+                      <a:endParaRPr lang="en-US" sz="1050" dirty="0">
+                        <a:effectLst/>
+                        <a:latin typeface="+mn-lt"/>
+                        <a:ea typeface="Calibri" panose="020F0502020204030204" pitchFamily="34" charset="0"/>
+                        <a:cs typeface="Courier New" panose="02070309020205020404" pitchFamily="49" charset="0"/>
+                      </a:endParaRPr>
+                    </a:p>
+                  </a:txBody>
+                  <a:tcPr marL="5090" marR="5090" marT="0" marB="0" anchor="ctr"/>
+                </a:tc>
+              </a:tr>
+              <a:tr h="217560">
+                <a:tc>
+                  <a:txBody>
+                    <a:bodyPr/>
+                    <a:lstStyle/>
+                    <a:p>
+                      <a:pPr marL="0" marR="0">
+                        <a:lnSpc>
+                          <a:spcPct val="115000"/>
+                        </a:lnSpc>
+                        <a:spcBef>
+                          <a:spcPts val="600"/>
+                        </a:spcBef>
+                        <a:spcAft>
+                          <a:spcPts val="600"/>
+                        </a:spcAft>
+                      </a:pPr>
+                      <a:r>
+                        <a:rPr lang="en-IN" sz="1050">
+                          <a:effectLst/>
+                        </a:rPr>
+                        <a:t>Set to 1 if Less Than</a:t>
+                      </a:r>
+                      <a:endParaRPr lang="en-US" sz="1050">
+                        <a:effectLst/>
+                        <a:latin typeface="Calibri" panose="020F0502020204030204" pitchFamily="34" charset="0"/>
+                        <a:ea typeface="Calibri" panose="020F0502020204030204" pitchFamily="34" charset="0"/>
+                        <a:cs typeface="Times New Roman" panose="02020603050405020304" pitchFamily="18" charset="0"/>
+                      </a:endParaRPr>
+                    </a:p>
+                  </a:txBody>
+                  <a:tcPr marL="5090" marR="5090" marT="0" marB="0" anchor="ctr"/>
+                </a:tc>
+                <a:tc>
+                  <a:txBody>
+                    <a:bodyPr/>
+                    <a:lstStyle/>
+                    <a:p>
+                      <a:pPr marL="0" marR="0" algn="just">
+                        <a:lnSpc>
+                          <a:spcPct val="115000"/>
+                        </a:lnSpc>
+                        <a:spcBef>
+                          <a:spcPts val="600"/>
+                        </a:spcBef>
+                        <a:spcAft>
+                          <a:spcPts val="600"/>
+                        </a:spcAft>
+                      </a:pPr>
+                      <a:r>
+                        <a:rPr lang="en-IN" sz="1050">
+                          <a:effectLst/>
+                          <a:latin typeface="Courier New" panose="02070309020205020404" pitchFamily="49" charset="0"/>
+                          <a:cs typeface="Courier New" panose="02070309020205020404" pitchFamily="49" charset="0"/>
+                        </a:rPr>
+                        <a:t>slt</a:t>
+                      </a:r>
+                      <a:endParaRPr lang="en-US" sz="1050">
+                        <a:effectLst/>
+                        <a:latin typeface="Courier New" panose="02070309020205020404" pitchFamily="49" charset="0"/>
+                        <a:ea typeface="Calibri" panose="020F0502020204030204" pitchFamily="34" charset="0"/>
+                        <a:cs typeface="Courier New" panose="02070309020205020404" pitchFamily="49" charset="0"/>
+                      </a:endParaRPr>
+                    </a:p>
+                  </a:txBody>
+                  <a:tcPr marL="5090" marR="5090" marT="0" marB="0" anchor="ctr"/>
+                </a:tc>
+                <a:tc>
+                  <a:txBody>
+                    <a:bodyPr/>
+                    <a:lstStyle/>
+                    <a:p>
+                      <a:pPr marL="0" marR="0" algn="just">
+                        <a:lnSpc>
+                          <a:spcPct val="115000"/>
+                        </a:lnSpc>
+                        <a:spcBef>
+                          <a:spcPts val="600"/>
+                        </a:spcBef>
+                        <a:spcAft>
+                          <a:spcPts val="600"/>
+                        </a:spcAft>
+                      </a:pPr>
+                      <a:r>
+                        <a:rPr lang="en-IN" sz="1050">
+                          <a:effectLst/>
+                          <a:latin typeface="Courier New" panose="02070309020205020404" pitchFamily="49" charset="0"/>
+                          <a:cs typeface="Courier New" panose="02070309020205020404" pitchFamily="49" charset="0"/>
+                        </a:rPr>
+                        <a:t>0000</a:t>
+                      </a:r>
+                      <a:endParaRPr lang="en-US" sz="1050">
+                        <a:effectLst/>
+                        <a:latin typeface="Courier New" panose="02070309020205020404" pitchFamily="49" charset="0"/>
+                        <a:ea typeface="Calibri" panose="020F0502020204030204" pitchFamily="34" charset="0"/>
+                        <a:cs typeface="Courier New" panose="02070309020205020404" pitchFamily="49" charset="0"/>
+                      </a:endParaRPr>
+                    </a:p>
+                  </a:txBody>
+                  <a:tcPr marL="5090" marR="5090" marT="0" marB="0" anchor="ctr"/>
+                </a:tc>
+                <a:tc>
+                  <a:txBody>
+                    <a:bodyPr/>
+                    <a:lstStyle/>
+                    <a:p>
+                      <a:pPr marL="0" marR="0" algn="just">
+                        <a:lnSpc>
+                          <a:spcPct val="115000"/>
+                        </a:lnSpc>
+                        <a:spcBef>
+                          <a:spcPts val="600"/>
+                        </a:spcBef>
+                        <a:spcAft>
+                          <a:spcPts val="600"/>
+                        </a:spcAft>
+                      </a:pPr>
+                      <a:r>
+                        <a:rPr lang="en-IN" sz="1050" dirty="0">
+                          <a:effectLst/>
+                          <a:latin typeface="Courier New" panose="02070309020205020404" pitchFamily="49" charset="0"/>
+                          <a:cs typeface="Courier New" panose="02070309020205020404" pitchFamily="49" charset="0"/>
+                        </a:rPr>
+                        <a:t>111</a:t>
+                      </a:r>
+                      <a:endParaRPr lang="en-US" sz="1050" dirty="0">
+                        <a:effectLst/>
+                        <a:latin typeface="Courier New" panose="02070309020205020404" pitchFamily="49" charset="0"/>
+                        <a:ea typeface="Calibri" panose="020F0502020204030204" pitchFamily="34" charset="0"/>
+                        <a:cs typeface="Courier New" panose="02070309020205020404" pitchFamily="49" charset="0"/>
+                      </a:endParaRPr>
+                    </a:p>
+                  </a:txBody>
+                  <a:tcPr marL="5090" marR="5090" marT="0" marB="0" anchor="ctr"/>
+                </a:tc>
+                <a:tc>
+                  <a:txBody>
+                    <a:bodyPr/>
+                    <a:lstStyle/>
+                    <a:p>
+                      <a:pPr marL="0" marR="0" algn="just">
+                        <a:lnSpc>
+                          <a:spcPct val="115000"/>
+                        </a:lnSpc>
+                        <a:spcBef>
+                          <a:spcPts val="600"/>
+                        </a:spcBef>
+                        <a:spcAft>
+                          <a:spcPts val="600"/>
+                        </a:spcAft>
+                      </a:pPr>
+                      <a:r>
+                        <a:rPr lang="en-IN" sz="1050">
+                          <a:effectLst/>
+                          <a:latin typeface="+mn-lt"/>
+                          <a:cs typeface="Courier New" panose="02070309020205020404" pitchFamily="49" charset="0"/>
+                        </a:rPr>
+                        <a:t>R</a:t>
+                      </a:r>
+                      <a:endParaRPr lang="en-US" sz="1050">
+                        <a:effectLst/>
+                        <a:latin typeface="+mn-lt"/>
+                        <a:ea typeface="Calibri" panose="020F0502020204030204" pitchFamily="34" charset="0"/>
+                        <a:cs typeface="Courier New" panose="02070309020205020404" pitchFamily="49" charset="0"/>
+                      </a:endParaRPr>
+                    </a:p>
+                  </a:txBody>
+                  <a:tcPr marL="5090" marR="5090" marT="0" marB="0" anchor="ctr"/>
+                </a:tc>
+              </a:tr>
+              <a:tr h="217560">
+                <a:tc>
+                  <a:txBody>
+                    <a:bodyPr/>
+                    <a:lstStyle/>
+                    <a:p>
+                      <a:pPr marL="0" marR="0">
+                        <a:lnSpc>
+                          <a:spcPct val="115000"/>
+                        </a:lnSpc>
+                        <a:spcBef>
+                          <a:spcPts val="600"/>
+                        </a:spcBef>
+                        <a:spcAft>
+                          <a:spcPts val="600"/>
+                        </a:spcAft>
+                      </a:pPr>
+                      <a:r>
+                        <a:rPr lang="en-IN" sz="1050">
+                          <a:effectLst/>
+                        </a:rPr>
+                        <a:t>Set to 1 if Less Than Immediate</a:t>
+                      </a:r>
+                      <a:endParaRPr lang="en-US" sz="1050">
+                        <a:effectLst/>
+                        <a:latin typeface="Calibri" panose="020F0502020204030204" pitchFamily="34" charset="0"/>
+                        <a:ea typeface="Calibri" panose="020F0502020204030204" pitchFamily="34" charset="0"/>
+                        <a:cs typeface="Times New Roman" panose="02020603050405020304" pitchFamily="18" charset="0"/>
+                      </a:endParaRPr>
+                    </a:p>
+                  </a:txBody>
+                  <a:tcPr marL="5090" marR="5090" marT="0" marB="0" anchor="ctr"/>
+                </a:tc>
+                <a:tc>
+                  <a:txBody>
+                    <a:bodyPr/>
+                    <a:lstStyle/>
+                    <a:p>
+                      <a:pPr marL="0" marR="0" algn="just">
+                        <a:lnSpc>
+                          <a:spcPct val="115000"/>
+                        </a:lnSpc>
+                        <a:spcBef>
+                          <a:spcPts val="600"/>
+                        </a:spcBef>
+                        <a:spcAft>
+                          <a:spcPts val="600"/>
+                        </a:spcAft>
+                      </a:pPr>
+                      <a:r>
+                        <a:rPr lang="en-IN" sz="1050">
+                          <a:effectLst/>
+                          <a:latin typeface="Courier New" panose="02070309020205020404" pitchFamily="49" charset="0"/>
+                          <a:cs typeface="Courier New" panose="02070309020205020404" pitchFamily="49" charset="0"/>
+                        </a:rPr>
+                        <a:t>slti</a:t>
+                      </a:r>
+                      <a:endParaRPr lang="en-US" sz="1050">
+                        <a:effectLst/>
+                        <a:latin typeface="Courier New" panose="02070309020205020404" pitchFamily="49" charset="0"/>
+                        <a:ea typeface="Calibri" panose="020F0502020204030204" pitchFamily="34" charset="0"/>
+                        <a:cs typeface="Courier New" panose="02070309020205020404" pitchFamily="49" charset="0"/>
+                      </a:endParaRPr>
+                    </a:p>
+                  </a:txBody>
+                  <a:tcPr marL="5090" marR="5090" marT="0" marB="0" anchor="ctr"/>
+                </a:tc>
+                <a:tc>
+                  <a:txBody>
+                    <a:bodyPr/>
+                    <a:lstStyle/>
+                    <a:p>
+                      <a:pPr marL="0" marR="0" algn="just">
+                        <a:lnSpc>
+                          <a:spcPct val="115000"/>
+                        </a:lnSpc>
+                        <a:spcBef>
+                          <a:spcPts val="600"/>
+                        </a:spcBef>
+                        <a:spcAft>
+                          <a:spcPts val="600"/>
+                        </a:spcAft>
+                      </a:pPr>
+                      <a:r>
+                        <a:rPr lang="en-IN" sz="1050">
+                          <a:effectLst/>
+                          <a:latin typeface="Courier New" panose="02070309020205020404" pitchFamily="49" charset="0"/>
+                          <a:cs typeface="Courier New" panose="02070309020205020404" pitchFamily="49" charset="0"/>
+                        </a:rPr>
+                        <a:t>1001</a:t>
+                      </a:r>
+                      <a:endParaRPr lang="en-US" sz="1050">
+                        <a:effectLst/>
+                        <a:latin typeface="Courier New" panose="02070309020205020404" pitchFamily="49" charset="0"/>
+                        <a:ea typeface="Calibri" panose="020F0502020204030204" pitchFamily="34" charset="0"/>
+                        <a:cs typeface="Courier New" panose="02070309020205020404" pitchFamily="49" charset="0"/>
+                      </a:endParaRPr>
+                    </a:p>
+                  </a:txBody>
+                  <a:tcPr marL="5090" marR="5090" marT="0" marB="0" anchor="ctr"/>
+                </a:tc>
+                <a:tc>
+                  <a:txBody>
+                    <a:bodyPr/>
+                    <a:lstStyle/>
+                    <a:p>
+                      <a:pPr marL="0" marR="0" algn="just">
+                        <a:lnSpc>
+                          <a:spcPct val="115000"/>
+                        </a:lnSpc>
+                        <a:spcBef>
+                          <a:spcPts val="600"/>
+                        </a:spcBef>
+                        <a:spcAft>
+                          <a:spcPts val="600"/>
+                        </a:spcAft>
+                      </a:pPr>
+                      <a:r>
+                        <a:rPr lang="en-IN" sz="1050" dirty="0">
+                          <a:effectLst/>
+                          <a:latin typeface="Courier New" panose="02070309020205020404" pitchFamily="49" charset="0"/>
+                          <a:cs typeface="Courier New" panose="02070309020205020404" pitchFamily="49" charset="0"/>
+                        </a:rPr>
+                        <a:t>-</a:t>
+                      </a:r>
+                      <a:endParaRPr lang="en-US" sz="1050" dirty="0">
+                        <a:effectLst/>
+                        <a:latin typeface="Courier New" panose="02070309020205020404" pitchFamily="49" charset="0"/>
+                        <a:ea typeface="Calibri" panose="020F0502020204030204" pitchFamily="34" charset="0"/>
+                        <a:cs typeface="Courier New" panose="02070309020205020404" pitchFamily="49" charset="0"/>
+                      </a:endParaRPr>
+                    </a:p>
+                  </a:txBody>
+                  <a:tcPr marL="5090" marR="5090" marT="0" marB="0" anchor="ctr"/>
+                </a:tc>
+                <a:tc>
+                  <a:txBody>
+                    <a:bodyPr/>
+                    <a:lstStyle/>
+                    <a:p>
+                      <a:pPr marL="0" marR="0" algn="just">
+                        <a:lnSpc>
+                          <a:spcPct val="115000"/>
+                        </a:lnSpc>
+                        <a:spcBef>
+                          <a:spcPts val="600"/>
+                        </a:spcBef>
+                        <a:spcAft>
+                          <a:spcPts val="600"/>
+                        </a:spcAft>
+                      </a:pPr>
+                      <a:r>
+                        <a:rPr lang="en-IN" sz="1050" dirty="0">
+                          <a:effectLst/>
+                          <a:latin typeface="+mn-lt"/>
+                          <a:cs typeface="Courier New" panose="02070309020205020404" pitchFamily="49" charset="0"/>
+                        </a:rPr>
+                        <a:t>I</a:t>
+                      </a:r>
+                      <a:endParaRPr lang="en-US" sz="1050" dirty="0">
+                        <a:effectLst/>
+                        <a:latin typeface="+mn-lt"/>
+                        <a:ea typeface="Calibri" panose="020F0502020204030204" pitchFamily="34" charset="0"/>
+                        <a:cs typeface="Courier New" panose="02070309020205020404" pitchFamily="49" charset="0"/>
+                      </a:endParaRPr>
+                    </a:p>
+                  </a:txBody>
+                  <a:tcPr marL="5090" marR="5090" marT="0" marB="0" anchor="ctr"/>
+                </a:tc>
+              </a:tr>
+              <a:tr h="211503">
+                <a:tc>
+                  <a:txBody>
+                    <a:bodyPr/>
+                    <a:lstStyle/>
+                    <a:p>
+                      <a:pPr marL="0" marR="0">
+                        <a:lnSpc>
+                          <a:spcPct val="115000"/>
+                        </a:lnSpc>
+                        <a:spcBef>
+                          <a:spcPts val="600"/>
+                        </a:spcBef>
+                        <a:spcAft>
+                          <a:spcPts val="600"/>
+                        </a:spcAft>
+                      </a:pPr>
+                      <a:r>
+                        <a:rPr lang="en-IN" sz="1050">
+                          <a:effectLst/>
+                        </a:rPr>
+                        <a:t>Logical Shift Left</a:t>
+                      </a:r>
+                      <a:endParaRPr lang="en-US" sz="1050">
+                        <a:effectLst/>
+                        <a:latin typeface="Calibri" panose="020F0502020204030204" pitchFamily="34" charset="0"/>
+                        <a:ea typeface="Calibri" panose="020F0502020204030204" pitchFamily="34" charset="0"/>
+                        <a:cs typeface="Times New Roman" panose="02020603050405020304" pitchFamily="18" charset="0"/>
+                      </a:endParaRPr>
+                    </a:p>
+                  </a:txBody>
+                  <a:tcPr marL="5090" marR="5090" marT="0" marB="0" anchor="ctr"/>
+                </a:tc>
+                <a:tc>
+                  <a:txBody>
+                    <a:bodyPr/>
+                    <a:lstStyle/>
+                    <a:p>
+                      <a:pPr marL="0" marR="0" algn="just">
+                        <a:lnSpc>
+                          <a:spcPct val="115000"/>
+                        </a:lnSpc>
+                        <a:spcBef>
+                          <a:spcPts val="600"/>
+                        </a:spcBef>
+                        <a:spcAft>
+                          <a:spcPts val="600"/>
+                        </a:spcAft>
+                      </a:pPr>
+                      <a:r>
+                        <a:rPr lang="en-IN" sz="1050">
+                          <a:effectLst/>
+                          <a:latin typeface="Courier New" panose="02070309020205020404" pitchFamily="49" charset="0"/>
+                          <a:cs typeface="Courier New" panose="02070309020205020404" pitchFamily="49" charset="0"/>
+                        </a:rPr>
+                        <a:t>sll</a:t>
+                      </a:r>
+                      <a:endParaRPr lang="en-US" sz="1050">
+                        <a:effectLst/>
+                        <a:latin typeface="Courier New" panose="02070309020205020404" pitchFamily="49" charset="0"/>
+                        <a:ea typeface="Calibri" panose="020F0502020204030204" pitchFamily="34" charset="0"/>
+                        <a:cs typeface="Courier New" panose="02070309020205020404" pitchFamily="49" charset="0"/>
+                      </a:endParaRPr>
+                    </a:p>
+                  </a:txBody>
+                  <a:tcPr marL="5090" marR="5090" marT="0" marB="0" anchor="ctr"/>
+                </a:tc>
+                <a:tc>
+                  <a:txBody>
+                    <a:bodyPr/>
+                    <a:lstStyle/>
+                    <a:p>
+                      <a:pPr marL="0" marR="0" algn="just">
+                        <a:lnSpc>
+                          <a:spcPct val="115000"/>
+                        </a:lnSpc>
+                        <a:spcBef>
+                          <a:spcPts val="600"/>
+                        </a:spcBef>
+                        <a:spcAft>
+                          <a:spcPts val="600"/>
+                        </a:spcAft>
+                      </a:pPr>
+                      <a:r>
+                        <a:rPr lang="en-IN" sz="1050">
+                          <a:effectLst/>
+                          <a:latin typeface="Courier New" panose="02070309020205020404" pitchFamily="49" charset="0"/>
+                          <a:cs typeface="Courier New" panose="02070309020205020404" pitchFamily="49" charset="0"/>
+                        </a:rPr>
+                        <a:t>0000</a:t>
+                      </a:r>
+                      <a:endParaRPr lang="en-US" sz="1050">
+                        <a:effectLst/>
+                        <a:latin typeface="Courier New" panose="02070309020205020404" pitchFamily="49" charset="0"/>
+                        <a:ea typeface="Calibri" panose="020F0502020204030204" pitchFamily="34" charset="0"/>
+                        <a:cs typeface="Courier New" panose="02070309020205020404" pitchFamily="49" charset="0"/>
+                      </a:endParaRPr>
+                    </a:p>
+                  </a:txBody>
+                  <a:tcPr marL="5090" marR="5090" marT="0" marB="0" anchor="ctr"/>
+                </a:tc>
+                <a:tc>
+                  <a:txBody>
+                    <a:bodyPr/>
+                    <a:lstStyle/>
+                    <a:p>
+                      <a:pPr marL="0" marR="0" algn="just">
+                        <a:lnSpc>
+                          <a:spcPct val="115000"/>
+                        </a:lnSpc>
+                        <a:spcBef>
+                          <a:spcPts val="600"/>
+                        </a:spcBef>
+                        <a:spcAft>
+                          <a:spcPts val="600"/>
+                        </a:spcAft>
+                      </a:pPr>
+                      <a:r>
+                        <a:rPr lang="en-IN" sz="1050" dirty="0">
+                          <a:effectLst/>
+                          <a:latin typeface="Courier New" panose="02070309020205020404" pitchFamily="49" charset="0"/>
+                          <a:cs typeface="Courier New" panose="02070309020205020404" pitchFamily="49" charset="0"/>
+                        </a:rPr>
+                        <a:t>001</a:t>
+                      </a:r>
+                      <a:endParaRPr lang="en-US" sz="1050" dirty="0">
+                        <a:effectLst/>
+                        <a:latin typeface="Courier New" panose="02070309020205020404" pitchFamily="49" charset="0"/>
+                        <a:ea typeface="Calibri" panose="020F0502020204030204" pitchFamily="34" charset="0"/>
+                        <a:cs typeface="Courier New" panose="02070309020205020404" pitchFamily="49" charset="0"/>
+                      </a:endParaRPr>
+                    </a:p>
+                  </a:txBody>
+                  <a:tcPr marL="5090" marR="5090" marT="0" marB="0" anchor="ctr"/>
+                </a:tc>
+                <a:tc>
+                  <a:txBody>
+                    <a:bodyPr/>
+                    <a:lstStyle/>
+                    <a:p>
+                      <a:pPr marL="0" marR="0" algn="just">
+                        <a:lnSpc>
+                          <a:spcPct val="115000"/>
+                        </a:lnSpc>
+                        <a:spcBef>
+                          <a:spcPts val="600"/>
+                        </a:spcBef>
+                        <a:spcAft>
+                          <a:spcPts val="600"/>
+                        </a:spcAft>
+                      </a:pPr>
+                      <a:r>
+                        <a:rPr lang="en-IN" sz="1050" dirty="0">
+                          <a:effectLst/>
+                          <a:latin typeface="+mn-lt"/>
+                          <a:cs typeface="Courier New" panose="02070309020205020404" pitchFamily="49" charset="0"/>
+                        </a:rPr>
+                        <a:t>R</a:t>
+                      </a:r>
+                      <a:endParaRPr lang="en-US" sz="1050" dirty="0">
+                        <a:effectLst/>
+                        <a:latin typeface="+mn-lt"/>
+                        <a:ea typeface="Calibri" panose="020F0502020204030204" pitchFamily="34" charset="0"/>
+                        <a:cs typeface="Courier New" panose="02070309020205020404" pitchFamily="49" charset="0"/>
+                      </a:endParaRPr>
+                    </a:p>
+                  </a:txBody>
+                  <a:tcPr marL="5090" marR="5090" marT="0" marB="0" anchor="ctr"/>
+                </a:tc>
+              </a:tr>
+              <a:tr h="211503">
+                <a:tc>
+                  <a:txBody>
+                    <a:bodyPr/>
+                    <a:lstStyle/>
+                    <a:p>
+                      <a:pPr marL="0" marR="0">
+                        <a:lnSpc>
+                          <a:spcPct val="115000"/>
+                        </a:lnSpc>
+                        <a:spcBef>
+                          <a:spcPts val="600"/>
+                        </a:spcBef>
+                        <a:spcAft>
+                          <a:spcPts val="600"/>
+                        </a:spcAft>
+                      </a:pPr>
+                      <a:r>
+                        <a:rPr lang="en-IN" sz="1050">
+                          <a:effectLst/>
+                        </a:rPr>
+                        <a:t>Logical Shift Right</a:t>
+                      </a:r>
+                      <a:endParaRPr lang="en-US" sz="1050">
+                        <a:effectLst/>
+                        <a:latin typeface="Calibri" panose="020F0502020204030204" pitchFamily="34" charset="0"/>
+                        <a:ea typeface="Calibri" panose="020F0502020204030204" pitchFamily="34" charset="0"/>
+                        <a:cs typeface="Times New Roman" panose="02020603050405020304" pitchFamily="18" charset="0"/>
+                      </a:endParaRPr>
+                    </a:p>
+                  </a:txBody>
+                  <a:tcPr marL="5090" marR="5090" marT="0" marB="0" anchor="ctr"/>
+                </a:tc>
+                <a:tc>
+                  <a:txBody>
+                    <a:bodyPr/>
+                    <a:lstStyle/>
+                    <a:p>
+                      <a:pPr marL="0" marR="0" algn="just">
+                        <a:lnSpc>
+                          <a:spcPct val="115000"/>
+                        </a:lnSpc>
+                        <a:spcBef>
+                          <a:spcPts val="600"/>
+                        </a:spcBef>
+                        <a:spcAft>
+                          <a:spcPts val="600"/>
+                        </a:spcAft>
+                      </a:pPr>
+                      <a:r>
+                        <a:rPr lang="en-IN" sz="1050">
+                          <a:effectLst/>
+                          <a:latin typeface="Courier New" panose="02070309020205020404" pitchFamily="49" charset="0"/>
+                          <a:cs typeface="Courier New" panose="02070309020205020404" pitchFamily="49" charset="0"/>
+                        </a:rPr>
+                        <a:t>srl</a:t>
+                      </a:r>
+                      <a:endParaRPr lang="en-US" sz="1050">
+                        <a:effectLst/>
+                        <a:latin typeface="Courier New" panose="02070309020205020404" pitchFamily="49" charset="0"/>
+                        <a:ea typeface="Calibri" panose="020F0502020204030204" pitchFamily="34" charset="0"/>
+                        <a:cs typeface="Courier New" panose="02070309020205020404" pitchFamily="49" charset="0"/>
+                      </a:endParaRPr>
+                    </a:p>
+                  </a:txBody>
+                  <a:tcPr marL="5090" marR="5090" marT="0" marB="0" anchor="ctr"/>
+                </a:tc>
+                <a:tc>
+                  <a:txBody>
+                    <a:bodyPr/>
+                    <a:lstStyle/>
+                    <a:p>
+                      <a:pPr marL="0" marR="0" algn="just">
+                        <a:lnSpc>
+                          <a:spcPct val="115000"/>
+                        </a:lnSpc>
+                        <a:spcBef>
+                          <a:spcPts val="600"/>
+                        </a:spcBef>
+                        <a:spcAft>
+                          <a:spcPts val="600"/>
+                        </a:spcAft>
+                      </a:pPr>
+                      <a:r>
+                        <a:rPr lang="en-IN" sz="1050">
+                          <a:effectLst/>
+                          <a:latin typeface="Courier New" panose="02070309020205020404" pitchFamily="49" charset="0"/>
+                          <a:cs typeface="Courier New" panose="02070309020205020404" pitchFamily="49" charset="0"/>
+                        </a:rPr>
+                        <a:t>0000</a:t>
+                      </a:r>
+                      <a:endParaRPr lang="en-US" sz="1050">
+                        <a:effectLst/>
+                        <a:latin typeface="Courier New" panose="02070309020205020404" pitchFamily="49" charset="0"/>
+                        <a:ea typeface="Calibri" panose="020F0502020204030204" pitchFamily="34" charset="0"/>
+                        <a:cs typeface="Courier New" panose="02070309020205020404" pitchFamily="49" charset="0"/>
+                      </a:endParaRPr>
+                    </a:p>
+                  </a:txBody>
+                  <a:tcPr marL="5090" marR="5090" marT="0" marB="0" anchor="ctr"/>
+                </a:tc>
+                <a:tc>
+                  <a:txBody>
+                    <a:bodyPr/>
+                    <a:lstStyle/>
+                    <a:p>
+                      <a:pPr marL="0" marR="0" algn="just">
+                        <a:lnSpc>
+                          <a:spcPct val="115000"/>
+                        </a:lnSpc>
+                        <a:spcBef>
+                          <a:spcPts val="600"/>
+                        </a:spcBef>
+                        <a:spcAft>
+                          <a:spcPts val="600"/>
+                        </a:spcAft>
+                      </a:pPr>
+                      <a:r>
+                        <a:rPr lang="en-IN" sz="1050" dirty="0">
+                          <a:effectLst/>
+                          <a:latin typeface="Courier New" panose="02070309020205020404" pitchFamily="49" charset="0"/>
+                          <a:cs typeface="Courier New" panose="02070309020205020404" pitchFamily="49" charset="0"/>
+                        </a:rPr>
+                        <a:t>010</a:t>
+                      </a:r>
+                      <a:endParaRPr lang="en-US" sz="1050" dirty="0">
+                        <a:effectLst/>
+                        <a:latin typeface="Courier New" panose="02070309020205020404" pitchFamily="49" charset="0"/>
+                        <a:ea typeface="Calibri" panose="020F0502020204030204" pitchFamily="34" charset="0"/>
+                        <a:cs typeface="Courier New" panose="02070309020205020404" pitchFamily="49" charset="0"/>
+                      </a:endParaRPr>
+                    </a:p>
+                  </a:txBody>
+                  <a:tcPr marL="5090" marR="5090" marT="0" marB="0" anchor="ctr"/>
+                </a:tc>
+                <a:tc>
+                  <a:txBody>
+                    <a:bodyPr/>
+                    <a:lstStyle/>
+                    <a:p>
+                      <a:pPr marL="0" marR="0" algn="just">
+                        <a:lnSpc>
+                          <a:spcPct val="115000"/>
+                        </a:lnSpc>
+                        <a:spcBef>
+                          <a:spcPts val="600"/>
+                        </a:spcBef>
+                        <a:spcAft>
+                          <a:spcPts val="600"/>
+                        </a:spcAft>
+                      </a:pPr>
+                      <a:r>
+                        <a:rPr lang="en-IN" sz="1050" dirty="0">
+                          <a:effectLst/>
+                          <a:latin typeface="+mn-lt"/>
+                          <a:cs typeface="Courier New" panose="02070309020205020404" pitchFamily="49" charset="0"/>
+                        </a:rPr>
+                        <a:t>R</a:t>
+                      </a:r>
+                      <a:endParaRPr lang="en-US" sz="1050" dirty="0">
+                        <a:effectLst/>
+                        <a:latin typeface="+mn-lt"/>
+                        <a:ea typeface="Calibri" panose="020F0502020204030204" pitchFamily="34" charset="0"/>
+                        <a:cs typeface="Courier New" panose="02070309020205020404" pitchFamily="49" charset="0"/>
+                      </a:endParaRPr>
+                    </a:p>
+                  </a:txBody>
+                  <a:tcPr marL="5090" marR="5090" marT="0" marB="0" anchor="ctr"/>
+                </a:tc>
+              </a:tr>
+              <a:tr h="211503">
+                <a:tc>
+                  <a:txBody>
+                    <a:bodyPr/>
+                    <a:lstStyle/>
+                    <a:p>
+                      <a:pPr marL="0" marR="0">
+                        <a:lnSpc>
+                          <a:spcPct val="115000"/>
+                        </a:lnSpc>
+                        <a:spcBef>
+                          <a:spcPts val="600"/>
+                        </a:spcBef>
+                        <a:spcAft>
+                          <a:spcPts val="600"/>
+                        </a:spcAft>
+                      </a:pPr>
+                      <a:r>
+                        <a:rPr lang="en-IN" sz="1050">
+                          <a:effectLst/>
+                        </a:rPr>
+                        <a:t>Subtract</a:t>
+                      </a:r>
+                      <a:endParaRPr lang="en-US" sz="1050">
+                        <a:effectLst/>
+                        <a:latin typeface="Calibri" panose="020F0502020204030204" pitchFamily="34" charset="0"/>
+                        <a:ea typeface="Calibri" panose="020F0502020204030204" pitchFamily="34" charset="0"/>
+                        <a:cs typeface="Times New Roman" panose="02020603050405020304" pitchFamily="18" charset="0"/>
+                      </a:endParaRPr>
+                    </a:p>
+                  </a:txBody>
+                  <a:tcPr marL="5090" marR="5090" marT="0" marB="0" anchor="ctr"/>
+                </a:tc>
+                <a:tc>
+                  <a:txBody>
+                    <a:bodyPr/>
+                    <a:lstStyle/>
+                    <a:p>
+                      <a:pPr marL="0" marR="0" algn="just">
+                        <a:lnSpc>
+                          <a:spcPct val="115000"/>
+                        </a:lnSpc>
+                        <a:spcBef>
+                          <a:spcPts val="600"/>
+                        </a:spcBef>
+                        <a:spcAft>
+                          <a:spcPts val="600"/>
+                        </a:spcAft>
+                      </a:pPr>
+                      <a:r>
+                        <a:rPr lang="en-IN" sz="1050">
+                          <a:effectLst/>
+                          <a:latin typeface="Courier New" panose="02070309020205020404" pitchFamily="49" charset="0"/>
+                          <a:cs typeface="Courier New" panose="02070309020205020404" pitchFamily="49" charset="0"/>
+                        </a:rPr>
+                        <a:t>sub</a:t>
+                      </a:r>
+                      <a:endParaRPr lang="en-US" sz="1050">
+                        <a:effectLst/>
+                        <a:latin typeface="Courier New" panose="02070309020205020404" pitchFamily="49" charset="0"/>
+                        <a:ea typeface="Calibri" panose="020F0502020204030204" pitchFamily="34" charset="0"/>
+                        <a:cs typeface="Courier New" panose="02070309020205020404" pitchFamily="49" charset="0"/>
+                      </a:endParaRPr>
+                    </a:p>
+                  </a:txBody>
+                  <a:tcPr marL="5090" marR="5090" marT="0" marB="0" anchor="ctr"/>
+                </a:tc>
+                <a:tc>
+                  <a:txBody>
+                    <a:bodyPr/>
+                    <a:lstStyle/>
+                    <a:p>
+                      <a:pPr marL="0" marR="0" algn="just">
+                        <a:lnSpc>
+                          <a:spcPct val="115000"/>
+                        </a:lnSpc>
+                        <a:spcBef>
+                          <a:spcPts val="600"/>
+                        </a:spcBef>
+                        <a:spcAft>
+                          <a:spcPts val="600"/>
+                        </a:spcAft>
+                      </a:pPr>
+                      <a:r>
+                        <a:rPr lang="en-IN" sz="1050">
+                          <a:effectLst/>
+                          <a:latin typeface="Courier New" panose="02070309020205020404" pitchFamily="49" charset="0"/>
+                          <a:cs typeface="Courier New" panose="02070309020205020404" pitchFamily="49" charset="0"/>
+                        </a:rPr>
+                        <a:t>0000</a:t>
+                      </a:r>
+                      <a:endParaRPr lang="en-US" sz="1050">
+                        <a:effectLst/>
+                        <a:latin typeface="Courier New" panose="02070309020205020404" pitchFamily="49" charset="0"/>
+                        <a:ea typeface="Calibri" panose="020F0502020204030204" pitchFamily="34" charset="0"/>
+                        <a:cs typeface="Courier New" panose="02070309020205020404" pitchFamily="49" charset="0"/>
+                      </a:endParaRPr>
+                    </a:p>
+                  </a:txBody>
+                  <a:tcPr marL="5090" marR="5090" marT="0" marB="0" anchor="ctr"/>
+                </a:tc>
+                <a:tc>
+                  <a:txBody>
+                    <a:bodyPr/>
+                    <a:lstStyle/>
+                    <a:p>
+                      <a:pPr marL="0" marR="0" algn="just">
+                        <a:lnSpc>
+                          <a:spcPct val="115000"/>
+                        </a:lnSpc>
+                        <a:spcBef>
+                          <a:spcPts val="600"/>
+                        </a:spcBef>
+                        <a:spcAft>
+                          <a:spcPts val="600"/>
+                        </a:spcAft>
+                      </a:pPr>
+                      <a:r>
+                        <a:rPr lang="en-IN" sz="1050">
+                          <a:effectLst/>
+                          <a:latin typeface="Courier New" panose="02070309020205020404" pitchFamily="49" charset="0"/>
+                          <a:cs typeface="Courier New" panose="02070309020205020404" pitchFamily="49" charset="0"/>
+                        </a:rPr>
+                        <a:t>011</a:t>
+                      </a:r>
+                      <a:endParaRPr lang="en-US" sz="1050">
+                        <a:effectLst/>
+                        <a:latin typeface="Courier New" panose="02070309020205020404" pitchFamily="49" charset="0"/>
+                        <a:ea typeface="Calibri" panose="020F0502020204030204" pitchFamily="34" charset="0"/>
+                        <a:cs typeface="Courier New" panose="02070309020205020404" pitchFamily="49" charset="0"/>
+                      </a:endParaRPr>
+                    </a:p>
+                  </a:txBody>
+                  <a:tcPr marL="5090" marR="5090" marT="0" marB="0" anchor="ctr"/>
+                </a:tc>
+                <a:tc>
+                  <a:txBody>
+                    <a:bodyPr/>
+                    <a:lstStyle/>
+                    <a:p>
+                      <a:pPr marL="0" marR="0" algn="just">
+                        <a:lnSpc>
+                          <a:spcPct val="115000"/>
+                        </a:lnSpc>
+                        <a:spcBef>
+                          <a:spcPts val="600"/>
+                        </a:spcBef>
+                        <a:spcAft>
+                          <a:spcPts val="600"/>
+                        </a:spcAft>
+                      </a:pPr>
+                      <a:r>
+                        <a:rPr lang="en-IN" sz="1050" dirty="0">
+                          <a:effectLst/>
+                          <a:latin typeface="+mn-lt"/>
+                          <a:cs typeface="Courier New" panose="02070309020205020404" pitchFamily="49" charset="0"/>
+                        </a:rPr>
+                        <a:t>R</a:t>
+                      </a:r>
+                      <a:endParaRPr lang="en-US" sz="1050" dirty="0">
+                        <a:effectLst/>
+                        <a:latin typeface="+mn-lt"/>
+                        <a:ea typeface="Calibri" panose="020F0502020204030204" pitchFamily="34" charset="0"/>
+                        <a:cs typeface="Courier New" panose="02070309020205020404" pitchFamily="49" charset="0"/>
+                      </a:endParaRPr>
+                    </a:p>
+                  </a:txBody>
+                  <a:tcPr marL="5090" marR="5090" marT="0" marB="0" anchor="ctr"/>
+                </a:tc>
+              </a:tr>
+              <a:tr h="211503">
+                <a:tc>
+                  <a:txBody>
+                    <a:bodyPr/>
+                    <a:lstStyle/>
+                    <a:p>
+                      <a:pPr marL="0" marR="0">
+                        <a:lnSpc>
+                          <a:spcPct val="115000"/>
+                        </a:lnSpc>
+                        <a:spcBef>
+                          <a:spcPts val="600"/>
+                        </a:spcBef>
+                        <a:spcAft>
+                          <a:spcPts val="600"/>
+                        </a:spcAft>
+                      </a:pPr>
+                      <a:r>
+                        <a:rPr lang="en-IN" sz="1050">
+                          <a:effectLst/>
+                        </a:rPr>
+                        <a:t>Store Word</a:t>
+                      </a:r>
+                      <a:endParaRPr lang="en-US" sz="1050">
+                        <a:effectLst/>
+                        <a:latin typeface="Calibri" panose="020F0502020204030204" pitchFamily="34" charset="0"/>
+                        <a:ea typeface="Calibri" panose="020F0502020204030204" pitchFamily="34" charset="0"/>
+                        <a:cs typeface="Times New Roman" panose="02020603050405020304" pitchFamily="18" charset="0"/>
+                      </a:endParaRPr>
+                    </a:p>
+                  </a:txBody>
+                  <a:tcPr marL="5090" marR="5090" marT="0" marB="0" anchor="ctr"/>
+                </a:tc>
+                <a:tc>
+                  <a:txBody>
+                    <a:bodyPr/>
+                    <a:lstStyle/>
+                    <a:p>
+                      <a:pPr marL="0" marR="0" algn="just">
+                        <a:lnSpc>
+                          <a:spcPct val="115000"/>
+                        </a:lnSpc>
+                        <a:spcBef>
+                          <a:spcPts val="600"/>
+                        </a:spcBef>
+                        <a:spcAft>
+                          <a:spcPts val="600"/>
+                        </a:spcAft>
+                      </a:pPr>
+                      <a:r>
+                        <a:rPr lang="en-IN" sz="1050">
+                          <a:effectLst/>
+                          <a:latin typeface="Courier New" panose="02070309020205020404" pitchFamily="49" charset="0"/>
+                          <a:cs typeface="Courier New" panose="02070309020205020404" pitchFamily="49" charset="0"/>
+                        </a:rPr>
+                        <a:t>sw</a:t>
+                      </a:r>
+                      <a:endParaRPr lang="en-US" sz="1050">
+                        <a:effectLst/>
+                        <a:latin typeface="Courier New" panose="02070309020205020404" pitchFamily="49" charset="0"/>
+                        <a:ea typeface="Calibri" panose="020F0502020204030204" pitchFamily="34" charset="0"/>
+                        <a:cs typeface="Courier New" panose="02070309020205020404" pitchFamily="49" charset="0"/>
+                      </a:endParaRPr>
+                    </a:p>
+                  </a:txBody>
+                  <a:tcPr marL="5090" marR="5090" marT="0" marB="0" anchor="ctr"/>
+                </a:tc>
+                <a:tc>
+                  <a:txBody>
+                    <a:bodyPr/>
+                    <a:lstStyle/>
+                    <a:p>
+                      <a:pPr marL="0" marR="0" algn="just">
+                        <a:lnSpc>
+                          <a:spcPct val="115000"/>
+                        </a:lnSpc>
+                        <a:spcBef>
+                          <a:spcPts val="600"/>
+                        </a:spcBef>
+                        <a:spcAft>
+                          <a:spcPts val="600"/>
+                        </a:spcAft>
+                      </a:pPr>
+                      <a:r>
+                        <a:rPr lang="en-IN" sz="1050">
+                          <a:effectLst/>
+                          <a:latin typeface="Courier New" panose="02070309020205020404" pitchFamily="49" charset="0"/>
+                          <a:cs typeface="Courier New" panose="02070309020205020404" pitchFamily="49" charset="0"/>
+                        </a:rPr>
+                        <a:t>1010</a:t>
+                      </a:r>
+                      <a:endParaRPr lang="en-US" sz="1050">
+                        <a:effectLst/>
+                        <a:latin typeface="Courier New" panose="02070309020205020404" pitchFamily="49" charset="0"/>
+                        <a:ea typeface="Calibri" panose="020F0502020204030204" pitchFamily="34" charset="0"/>
+                        <a:cs typeface="Courier New" panose="02070309020205020404" pitchFamily="49" charset="0"/>
+                      </a:endParaRPr>
+                    </a:p>
+                  </a:txBody>
+                  <a:tcPr marL="5090" marR="5090" marT="0" marB="0" anchor="ctr"/>
+                </a:tc>
+                <a:tc>
+                  <a:txBody>
+                    <a:bodyPr/>
+                    <a:lstStyle/>
+                    <a:p>
+                      <a:pPr marL="0" marR="0" algn="just">
+                        <a:lnSpc>
+                          <a:spcPct val="115000"/>
+                        </a:lnSpc>
+                        <a:spcBef>
+                          <a:spcPts val="600"/>
+                        </a:spcBef>
+                        <a:spcAft>
+                          <a:spcPts val="600"/>
+                        </a:spcAft>
+                      </a:pPr>
+                      <a:r>
+                        <a:rPr lang="en-IN" sz="1050" dirty="0">
+                          <a:effectLst/>
+                          <a:latin typeface="Courier New" panose="02070309020205020404" pitchFamily="49" charset="0"/>
+                          <a:cs typeface="Courier New" panose="02070309020205020404" pitchFamily="49" charset="0"/>
+                        </a:rPr>
+                        <a:t>-</a:t>
+                      </a:r>
+                      <a:endParaRPr lang="en-US" sz="1050" dirty="0">
+                        <a:effectLst/>
+                        <a:latin typeface="Courier New" panose="02070309020205020404" pitchFamily="49" charset="0"/>
+                        <a:ea typeface="Calibri" panose="020F0502020204030204" pitchFamily="34" charset="0"/>
+                        <a:cs typeface="Courier New" panose="02070309020205020404" pitchFamily="49" charset="0"/>
+                      </a:endParaRPr>
+                    </a:p>
+                  </a:txBody>
+                  <a:tcPr marL="5090" marR="5090" marT="0" marB="0" anchor="ctr"/>
+                </a:tc>
+                <a:tc>
+                  <a:txBody>
+                    <a:bodyPr/>
+                    <a:lstStyle/>
+                    <a:p>
+                      <a:pPr marL="0" marR="0" algn="just">
+                        <a:lnSpc>
+                          <a:spcPct val="115000"/>
+                        </a:lnSpc>
+                        <a:spcBef>
+                          <a:spcPts val="600"/>
+                        </a:spcBef>
+                        <a:spcAft>
+                          <a:spcPts val="600"/>
+                        </a:spcAft>
+                      </a:pPr>
+                      <a:r>
+                        <a:rPr lang="en-IN" sz="1050" dirty="0">
+                          <a:effectLst/>
+                          <a:latin typeface="+mn-lt"/>
+                          <a:cs typeface="Courier New" panose="02070309020205020404" pitchFamily="49" charset="0"/>
+                        </a:rPr>
+                        <a:t>I</a:t>
+                      </a:r>
+                      <a:endParaRPr lang="en-US" sz="1050" dirty="0">
+                        <a:effectLst/>
+                        <a:latin typeface="+mn-lt"/>
+                        <a:ea typeface="Calibri" panose="020F0502020204030204" pitchFamily="34" charset="0"/>
+                        <a:cs typeface="Courier New" panose="02070309020205020404" pitchFamily="49" charset="0"/>
+                      </a:endParaRPr>
+                    </a:p>
+                  </a:txBody>
+                  <a:tcPr marL="5090" marR="5090" marT="0" marB="0" anchor="ctr"/>
+                </a:tc>
+              </a:tr>
+            </a:tbl>
+          </a:graphicData>
+        </a:graphic>
+      </p:graphicFrame>
+    </p:spTree>
+    <p:extLst>
+      <p:ext uri="{BB962C8B-B14F-4D97-AF65-F5344CB8AC3E}">
+        <p14:creationId xmlns:p14="http://schemas.microsoft.com/office/powerpoint/2010/main" val="825678763"/>
+      </p:ext>
+    </p:extLst>
+  </p:cSld>
+  <p:clrMapOvr>
+    <a:masterClrMapping/>
+  </p:clrMapOvr>
+  <p:transition spd="slow">
+    <p:cut/>
+  </p:transition>
+  <p:timing>
+    <p:tnLst>
+      <p:par>
+        <p:cTn id="1" dur="indefinite" restart="never" nodeType="tmRoot"/>
+      </p:par>
+    </p:tnLst>
+  </p:timing>
+</p:sld>
+</file>
+
+<file path=ppt/slides/slide4.xml><?xml version="1.0" encoding="utf-8"?>
+<p:sld xmlns:a="http://schemas.openxmlformats.org/drawingml/2006/main" xmlns:r="http://schemas.openxmlformats.org/officeDocument/2006/relationships" xmlns:p="http://schemas.openxmlformats.org/presentationml/2006/main">
+  <p:cSld>
+    <p:bg>
+      <p:bgPr>
+        <a:solidFill>
+          <a:srgbClr val="F2F2F2"/>
+        </a:solidFill>
+        <a:effectLst/>
+      </p:bgPr>
+    </p:bg>
+    <p:spTree>
+      <p:nvGrpSpPr>
         <p:cNvPr id="1" name="Shape 94"/>
         <p:cNvGrpSpPr/>
         <p:nvPr/>
@@ -14139,7 +17484,7 @@
 </p:sld>
 </file>
 
-<file path=ppt/slides/slide4.xml><?xml version="1.0" encoding="utf-8"?>
+<file path=ppt/slides/slide5.xml><?xml version="1.0" encoding="utf-8"?>
 <p:sld xmlns:a="http://schemas.openxmlformats.org/drawingml/2006/main" xmlns:r="http://schemas.openxmlformats.org/officeDocument/2006/relationships" xmlns:p="http://schemas.openxmlformats.org/presentationml/2006/main">
   <p:cSld>
     <p:bg>
@@ -14503,316 +17848,6 @@
 </p:sld>
 </file>
 
-<file path=ppt/slides/slide5.xml><?xml version="1.0" encoding="utf-8"?>
-<p:sld xmlns:a="http://schemas.openxmlformats.org/drawingml/2006/main" xmlns:r="http://schemas.openxmlformats.org/officeDocument/2006/relationships" xmlns:p="http://schemas.openxmlformats.org/presentationml/2006/main">
-  <p:cSld>
-    <p:bg>
-      <p:bgPr>
-        <a:solidFill>
-          <a:srgbClr val="F2F2F2"/>
-        </a:solidFill>
-        <a:effectLst/>
-      </p:bgPr>
-    </p:bg>
-    <p:spTree>
-      <p:nvGrpSpPr>
-        <p:cNvPr id="1" name="Shape 94"/>
-        <p:cNvGrpSpPr/>
-        <p:nvPr/>
-      </p:nvGrpSpPr>
-      <p:grpSpPr>
-        <a:xfrm>
-          <a:off x="0" y="0"/>
-          <a:ext cx="0" cy="0"/>
-          <a:chOff x="0" y="0"/>
-          <a:chExt cx="0" cy="0"/>
-        </a:xfrm>
-      </p:grpSpPr>
-      <p:sp>
-        <p:nvSpPr>
-          <p:cNvPr id="95" name="Shape 95"/>
-          <p:cNvSpPr txBox="1">
-            <a:spLocks noGrp="1"/>
-          </p:cNvSpPr>
-          <p:nvPr>
-            <p:ph type="title"/>
-          </p:nvPr>
-        </p:nvSpPr>
-        <p:spPr>
-          <a:xfrm>
-            <a:off x="628650" y="273843"/>
-            <a:ext cx="7886700" cy="994200"/>
-          </a:xfrm>
-          <a:prstGeom prst="rect">
-            <a:avLst/>
-          </a:prstGeom>
-          <a:solidFill>
-            <a:srgbClr val="F2F2F2"/>
-          </a:solidFill>
-          <a:ln>
-            <a:noFill/>
-          </a:ln>
-        </p:spPr>
-        <p:txBody>
-          <a:bodyPr lIns="68575" tIns="34275" rIns="68575" bIns="34275" anchor="ctr" anchorCtr="0">
-            <a:noAutofit/>
-          </a:bodyPr>
-          <a:lstStyle/>
-          <a:p>
-            <a:pPr marL="0" marR="0" lvl="0" indent="0" algn="l" rtl="0">
-              <a:lnSpc>
-                <a:spcPct val="90000"/>
-              </a:lnSpc>
-              <a:spcBef>
-                <a:spcPts val="0"/>
-              </a:spcBef>
-              <a:spcAft>
-                <a:spcPts val="0"/>
-              </a:spcAft>
-              <a:buClr>
-                <a:srgbClr val="7F7F7F"/>
-              </a:buClr>
-              <a:buSzPct val="25000"/>
-              <a:buFont typeface="Times New Roman"/>
-              <a:buNone/>
-            </a:pPr>
-            <a:r>
-              <a:rPr lang="en" dirty="0" smtClean="0">
-                <a:solidFill>
-                  <a:srgbClr val="7F7F7F"/>
-                </a:solidFill>
-                <a:latin typeface="+mn-lt"/>
-                <a:ea typeface="Consolas"/>
-                <a:cs typeface="Consolas" panose="020B0609020204030204" pitchFamily="49" charset="0"/>
-                <a:sym typeface="Consolas"/>
-              </a:rPr>
-              <a:t>ARITHMETIC</a:t>
-            </a:r>
-            <a:r>
-              <a:rPr lang="en" dirty="0" smtClean="0">
-                <a:solidFill>
-                  <a:srgbClr val="7F7F7F"/>
-                </a:solidFill>
-                <a:latin typeface="Arial Black" panose="020B0A04020102020204" pitchFamily="34" charset="0"/>
-                <a:ea typeface="Consolas"/>
-                <a:cs typeface="Consolas" panose="020B0609020204030204" pitchFamily="49" charset="0"/>
-                <a:sym typeface="Consolas"/>
-              </a:rPr>
-              <a:t>LOGIC</a:t>
-            </a:r>
-            <a:r>
-              <a:rPr lang="en" dirty="0" smtClean="0">
-                <a:solidFill>
-                  <a:srgbClr val="7F7F7F"/>
-                </a:solidFill>
-                <a:latin typeface="+mn-lt"/>
-                <a:ea typeface="Consolas"/>
-                <a:cs typeface="Consolas" panose="020B0609020204030204" pitchFamily="49" charset="0"/>
-                <a:sym typeface="Consolas"/>
-              </a:rPr>
-              <a:t>UNIT</a:t>
-            </a:r>
-            <a:endParaRPr lang="en" sz="3300" dirty="0">
-              <a:solidFill>
-                <a:schemeClr val="tx1"/>
-              </a:solidFill>
-              <a:latin typeface="Consolas" panose="020B0609020204030204" pitchFamily="49" charset="0"/>
-              <a:ea typeface="Consolas"/>
-              <a:cs typeface="Consolas" panose="020B0609020204030204" pitchFamily="49" charset="0"/>
-              <a:sym typeface="Consolas"/>
-            </a:endParaRPr>
-          </a:p>
-        </p:txBody>
-      </p:sp>
-      <p:sp>
-        <p:nvSpPr>
-          <p:cNvPr id="96" name="Shape 96"/>
-          <p:cNvSpPr txBox="1">
-            <a:spLocks noGrp="1"/>
-          </p:cNvSpPr>
-          <p:nvPr>
-            <p:ph type="body" idx="1"/>
-          </p:nvPr>
-        </p:nvSpPr>
-        <p:spPr>
-          <a:xfrm>
-            <a:off x="628650" y="1268043"/>
-            <a:ext cx="7886700" cy="3521815"/>
-          </a:xfrm>
-          <a:prstGeom prst="rect">
-            <a:avLst/>
-          </a:prstGeom>
-          <a:noFill/>
-          <a:ln>
-            <a:noFill/>
-          </a:ln>
-        </p:spPr>
-        <p:txBody>
-          <a:bodyPr lIns="68575" tIns="34275" rIns="68575" bIns="34275" anchor="t" anchorCtr="0">
-            <a:noAutofit/>
-          </a:bodyPr>
-          <a:lstStyle/>
-          <a:p>
-            <a:pPr marL="342900" indent="-342900">
-              <a:spcBef>
-                <a:spcPts val="0"/>
-              </a:spcBef>
-              <a:buSzPct val="75000"/>
-              <a:buFont typeface="Wingdings" panose="05000000000000000000" pitchFamily="2" charset="2"/>
-              <a:buChar char="§"/>
-            </a:pPr>
-            <a:r>
-              <a:rPr lang="en" sz="2000" b="1" dirty="0" smtClean="0">
-                <a:solidFill>
-                  <a:srgbClr val="7F7F7F"/>
-                </a:solidFill>
-                <a:latin typeface="+mn-lt"/>
-                <a:ea typeface="Questrial"/>
-                <a:cs typeface="Questrial"/>
-                <a:sym typeface="Questrial"/>
-              </a:rPr>
-              <a:t>Stage</a:t>
-            </a:r>
-            <a:r>
-              <a:rPr lang="en" sz="2000" dirty="0" smtClean="0">
-                <a:solidFill>
-                  <a:srgbClr val="7F7F7F"/>
-                </a:solidFill>
-                <a:latin typeface="+mn-lt"/>
-                <a:ea typeface="Questrial"/>
-                <a:cs typeface="Questrial"/>
-                <a:sym typeface="Questrial"/>
-              </a:rPr>
-              <a:t>: EXE</a:t>
-            </a:r>
-          </a:p>
-          <a:p>
-            <a:pPr marL="342900" indent="-342900">
-              <a:spcBef>
-                <a:spcPts val="0"/>
-              </a:spcBef>
-              <a:buSzPct val="75000"/>
-              <a:buFont typeface="Wingdings" panose="05000000000000000000" pitchFamily="2" charset="2"/>
-              <a:buChar char="§"/>
-            </a:pPr>
-            <a:r>
-              <a:rPr lang="en" sz="2000" b="1" dirty="0" smtClean="0">
-                <a:solidFill>
-                  <a:srgbClr val="7F7F7F"/>
-                </a:solidFill>
-                <a:latin typeface="+mn-lt"/>
-                <a:ea typeface="Questrial"/>
-                <a:cs typeface="Questrial"/>
-                <a:sym typeface="Questrial"/>
-              </a:rPr>
-              <a:t>Input</a:t>
-            </a:r>
-            <a:r>
-              <a:rPr lang="en" sz="2000" dirty="0" smtClean="0">
-                <a:solidFill>
-                  <a:srgbClr val="7F7F7F"/>
-                </a:solidFill>
-                <a:latin typeface="+mn-lt"/>
-                <a:ea typeface="Questrial"/>
-                <a:cs typeface="Questrial"/>
-                <a:sym typeface="Questrial"/>
-              </a:rPr>
-              <a:t>: Read data 1, Read data 2 (initialized), or forwarded values</a:t>
-            </a:r>
-          </a:p>
-          <a:p>
-            <a:pPr marL="342900" indent="-342900">
-              <a:spcBef>
-                <a:spcPts val="0"/>
-              </a:spcBef>
-              <a:buSzPct val="75000"/>
-              <a:buFont typeface="Wingdings" panose="05000000000000000000" pitchFamily="2" charset="2"/>
-              <a:buChar char="§"/>
-            </a:pPr>
-            <a:r>
-              <a:rPr lang="en" sz="2000" b="1" dirty="0" smtClean="0">
-                <a:solidFill>
-                  <a:srgbClr val="7F7F7F"/>
-                </a:solidFill>
-                <a:latin typeface="+mn-lt"/>
-                <a:ea typeface="Questrial"/>
-                <a:cs typeface="Questrial"/>
-                <a:sym typeface="Questrial"/>
-              </a:rPr>
-              <a:t>Output</a:t>
-            </a:r>
-            <a:r>
-              <a:rPr lang="en" sz="2000" dirty="0" smtClean="0">
-                <a:solidFill>
-                  <a:srgbClr val="7F7F7F"/>
-                </a:solidFill>
-                <a:latin typeface="+mn-lt"/>
-                <a:ea typeface="Questrial"/>
-                <a:cs typeface="Questrial"/>
-                <a:sym typeface="Questrial"/>
-              </a:rPr>
-              <a:t>: ALU Result</a:t>
-            </a:r>
-          </a:p>
-          <a:p>
-            <a:pPr marL="342900" indent="-342900">
-              <a:spcBef>
-                <a:spcPts val="0"/>
-              </a:spcBef>
-              <a:buSzPct val="75000"/>
-              <a:buFont typeface="Wingdings" panose="05000000000000000000" pitchFamily="2" charset="2"/>
-              <a:buChar char="§"/>
-            </a:pPr>
-            <a:r>
-              <a:rPr lang="en" sz="2000" b="1" dirty="0" smtClean="0">
-                <a:solidFill>
-                  <a:srgbClr val="7F7F7F"/>
-                </a:solidFill>
-                <a:latin typeface="+mn-lt"/>
-                <a:ea typeface="Questrial"/>
-                <a:cs typeface="Questrial"/>
-                <a:sym typeface="Questrial"/>
-              </a:rPr>
-              <a:t>Description</a:t>
-            </a:r>
-            <a:r>
-              <a:rPr lang="en" sz="2000" dirty="0" smtClean="0">
-                <a:solidFill>
-                  <a:srgbClr val="7F7F7F"/>
-                </a:solidFill>
-                <a:latin typeface="+mn-lt"/>
-                <a:ea typeface="Questrial"/>
-                <a:cs typeface="Questrial"/>
-                <a:sym typeface="Questrial"/>
-              </a:rPr>
-              <a:t>: performs an arithmetic operation based on the Operation code provided by ALU Control</a:t>
-            </a:r>
-          </a:p>
-        </p:txBody>
-      </p:sp>
-    </p:spTree>
-    <p:extLst>
-      <p:ext uri="{BB962C8B-B14F-4D97-AF65-F5344CB8AC3E}">
-        <p14:creationId xmlns:p14="http://schemas.microsoft.com/office/powerpoint/2010/main" val="960072804"/>
-      </p:ext>
-    </p:extLst>
-  </p:cSld>
-  <p:clrMapOvr>
-    <a:masterClrMapping/>
-  </p:clrMapOvr>
-  <p:transition spd="slow">
-    <p:cut/>
-  </p:transition>
-  <p:timing>
-    <p:tnLst>
-      <p:par>
-        <p:cTn id="1" dur="indefinite" restart="never" nodeType="tmRoot"/>
-      </p:par>
-    </p:tnLst>
-  </p:timing>
-</p:sld>
-</file>
-
 <file path=ppt/slides/slide6.xml><?xml version="1.0" encoding="utf-8"?>
 <p:sld xmlns:a="http://schemas.openxmlformats.org/drawingml/2006/main" xmlns:r="http://schemas.openxmlformats.org/officeDocument/2006/relationships" xmlns:p="http://schemas.openxmlformats.org/presentationml/2006/main">
   <p:cSld>
@@ -14891,12 +17926,24 @@
                 <a:solidFill>
                   <a:srgbClr val="7F7F7F"/>
                 </a:solidFill>
+                <a:latin typeface="+mn-lt"/>
+                <a:ea typeface="Consolas"/>
+                <a:cs typeface="Consolas" panose="020B0609020204030204" pitchFamily="49" charset="0"/>
+                <a:sym typeface="Consolas"/>
+              </a:rPr>
+              <a:t>ARITHMETIC</a:t>
+            </a:r>
+            <a:r>
+              <a:rPr lang="en" dirty="0" smtClean="0">
+                <a:solidFill>
+                  <a:srgbClr val="7F7F7F"/>
+                </a:solidFill>
                 <a:latin typeface="Arial Black" panose="020B0A04020102020204" pitchFamily="34" charset="0"/>
                 <a:ea typeface="Consolas"/>
                 <a:cs typeface="Consolas" panose="020B0609020204030204" pitchFamily="49" charset="0"/>
                 <a:sym typeface="Consolas"/>
               </a:rPr>
-              <a:t>BRANCH</a:t>
+              <a:t>LOGIC</a:t>
             </a:r>
             <a:r>
               <a:rPr lang="en" dirty="0" smtClean="0">
@@ -14908,13 +17955,13 @@
                 <a:cs typeface="Consolas" panose="020B0609020204030204" pitchFamily="49" charset="0"/>
                 <a:sym typeface="Consolas"/>
               </a:rPr>
-              <a:t>HARDWARE</a:t>
+              <a:t>UNIT</a:t>
             </a:r>
             <a:endParaRPr lang="en" sz="3300" dirty="0">
               <a:solidFill>
                 <a:schemeClr val="tx1"/>
               </a:solidFill>
-              <a:latin typeface="+mn-lt"/>
+              <a:latin typeface="Consolas" panose="020B0609020204030204" pitchFamily="49" charset="0"/>
               <a:ea typeface="Consolas"/>
               <a:cs typeface="Consolas" panose="020B0609020204030204" pitchFamily="49" charset="0"/>
               <a:sym typeface="Consolas"/>
@@ -14981,7 +18028,7 @@
                 <a:cs typeface="Questrial"/>
                 <a:sym typeface="Questrial"/>
               </a:rPr>
-              <a:t>: ID</a:t>
+              <a:t>: EXE</a:t>
             </a:r>
           </a:p>
           <a:p>
@@ -14994,7 +18041,7 @@
               <a:buChar char="§"/>
             </a:pPr>
             <a:r>
-              <a:rPr lang="en-US" sz="2000" b="1" dirty="0" smtClean="0">
+              <a:rPr lang="en" sz="2000" b="1" dirty="0" smtClean="0">
                 <a:solidFill>
                   <a:srgbClr val="7F7F7F"/>
                 </a:solidFill>
@@ -15003,10 +18050,10 @@
                 <a:cs typeface="Questrial"/>
                 <a:sym typeface="Questrial"/>
               </a:rPr>
-              <a:t>Purpose</a:t>
+              <a:t>Input</a:t>
             </a:r>
             <a:r>
-              <a:rPr lang="en-US" sz="2000" dirty="0" smtClean="0">
+              <a:rPr lang="en" sz="2000" dirty="0" smtClean="0">
                 <a:solidFill>
                   <a:srgbClr val="7F7F7F"/>
                 </a:solidFill>
@@ -15015,17 +18062,42 @@
                 <a:cs typeface="Questrial"/>
                 <a:sym typeface="Questrial"/>
               </a:rPr>
-              <a:t>: Handle control hazards</a:t>
+              <a:t>: Read data 1, Read data 2 (initialized), or forwarded values</a:t>
             </a:r>
-            <a:endParaRPr lang="en" sz="2000" dirty="0">
-              <a:solidFill>
-                <a:srgbClr val="7F7F7F"/>
-              </a:solidFill>
-              <a:latin typeface="+mn-lt"/>
-              <a:ea typeface="Questrial"/>
-              <a:cs typeface="Questrial"/>
-              <a:sym typeface="Questrial"/>
-            </a:endParaRPr>
+          </a:p>
+          <a:p>
+            <a:pPr marL="342900" indent="-342900">
+              <a:spcBef>
+                <a:spcPts val="0"/>
+              </a:spcBef>
+              <a:buSzPct val="75000"/>
+              <a:buFont typeface="Wingdings" panose="05000000000000000000" pitchFamily="2" charset="2"/>
+              <a:buChar char="§"/>
+            </a:pPr>
+            <a:r>
+              <a:rPr lang="en" sz="2000" b="1" dirty="0" smtClean="0">
+                <a:solidFill>
+                  <a:srgbClr val="7F7F7F"/>
+                </a:solidFill>
+                <a:latin typeface="+mn-lt"/>
+                <a:ea typeface="Questrial"/>
+                <a:cs typeface="Questrial"/>
+                <a:sym typeface="Questrial"/>
+              </a:rPr>
+              <a:t>Output</a:t>
+            </a:r>
+            <a:r>
+              <a:rPr lang="en" sz="2000" dirty="0" smtClean="0">
+                <a:solidFill>
+                  <a:srgbClr val="7F7F7F"/>
+                </a:solidFill>
+                <a:latin typeface="+mn-lt"/>
+                <a:ea typeface="Questrial"/>
+                <a:cs typeface="Questrial"/>
+                <a:sym typeface="Questrial"/>
+              </a:rPr>
+              <a:t>: ALU Result</a:t>
+            </a:r>
           </a:p>
           <a:p>
             <a:pPr marL="342900" indent="-342900">
@@ -15058,24 +18130,15 @@
                 <a:cs typeface="Questrial"/>
                 <a:sym typeface="Questrial"/>
               </a:rPr>
-              <a:t>: Branch and jump adders are moved from EXE stage to ID stage to reduce unnecessary stall cycles and branch penalties during control hazards; equality comparator added to detect the outcome of the branch in ID stage itself</a:t>
+              <a:t>: performs an arithmetic operation based on the Operation code provided by ALU Control</a:t>
             </a:r>
-            <a:endParaRPr lang="en" sz="2000" dirty="0">
-              <a:solidFill>
-                <a:srgbClr val="7F7F7F"/>
-              </a:solidFill>
-              <a:latin typeface="+mn-lt"/>
-              <a:ea typeface="Questrial"/>
-              <a:cs typeface="Questrial"/>
-              <a:sym typeface="Questrial"/>
-            </a:endParaRPr>
           </a:p>
         </p:txBody>
       </p:sp>
     </p:spTree>
     <p:extLst>
       <p:ext uri="{BB962C8B-B14F-4D97-AF65-F5344CB8AC3E}">
-        <p14:creationId xmlns:p14="http://schemas.microsoft.com/office/powerpoint/2010/main" val="1487722886"/>
+        <p14:creationId xmlns:p14="http://schemas.microsoft.com/office/powerpoint/2010/main" val="960072804"/>
       </p:ext>
     </p:extLst>
   </p:cSld>
@@ -15173,36 +18236,24 @@
                 <a:solidFill>
                   <a:srgbClr val="7F7F7F"/>
                 </a:solidFill>
+                <a:latin typeface="Arial Black" panose="020B0A04020102020204" pitchFamily="34" charset="0"/>
+                <a:ea typeface="Consolas"/>
+                <a:cs typeface="Consolas" panose="020B0609020204030204" pitchFamily="49" charset="0"/>
+                <a:sym typeface="Consolas"/>
+              </a:rPr>
+              <a:t>BRANCH</a:t>
+            </a:r>
+            <a:r>
+              <a:rPr lang="en" dirty="0" smtClean="0">
+                <a:solidFill>
+                  <a:srgbClr val="7F7F7F"/>
+                </a:solidFill>
                 <a:latin typeface="+mn-lt"/>
                 <a:ea typeface="Consolas"/>
                 <a:cs typeface="Consolas" panose="020B0609020204030204" pitchFamily="49" charset="0"/>
                 <a:sym typeface="Consolas"/>
               </a:rPr>
-              <a:t>EXE</a:t>
-            </a:r>
-            <a:r>
-              <a:rPr lang="en" dirty="0" smtClean="0">
-                <a:solidFill>
-                  <a:srgbClr val="7F7F7F"/>
-                </a:solidFill>
-                <a:latin typeface="Arial Black" panose="020B0A04020102020204" pitchFamily="34" charset="0"/>
-                <a:ea typeface="Consolas"/>
-                <a:cs typeface="Consolas" panose="020B0609020204030204" pitchFamily="49" charset="0"/>
-                <a:sym typeface="Consolas"/>
-              </a:rPr>
-              <a:t>FORWARDING</a:t>
-            </a:r>
-            <a:r>
-              <a:rPr lang="en" dirty="0" smtClean="0">
-                <a:solidFill>
-                  <a:srgbClr val="7F7F7F"/>
-                </a:solidFill>
-                <a:latin typeface="+mn-lt"/>
-                <a:ea typeface="Consolas"/>
-                <a:cs typeface="Consolas" panose="020B0609020204030204" pitchFamily="49" charset="0"/>
-                <a:sym typeface="Consolas"/>
-              </a:rPr>
-              <a:t>UNIT</a:t>
+              <a:t>HARDWARE</a:t>
             </a:r>
             <a:endParaRPr lang="en" sz="3300" dirty="0">
               <a:solidFill>
@@ -15246,9 +18297,6 @@
           <a:lstStyle/>
           <a:p>
             <a:pPr marL="342900" indent="-342900">
-              <a:lnSpc>
-                <a:spcPct val="100000"/>
-              </a:lnSpc>
               <a:spcBef>
                 <a:spcPts val="0"/>
               </a:spcBef>
@@ -15278,14 +18326,11 @@
                 <a:cs typeface="Questrial"/>
                 <a:sym typeface="Questrial"/>
               </a:rPr>
-              <a:t>: EXE</a:t>
+              <a:t>: ID</a:t>
             </a:r>
           </a:p>
           <a:p>
             <a:pPr marL="342900" indent="-342900">
-              <a:lnSpc>
-                <a:spcPct val="100000"/>
-              </a:lnSpc>
               <a:spcBef>
                 <a:spcPts val="0"/>
               </a:spcBef>
@@ -15294,7 +18339,7 @@
               <a:buChar char="§"/>
             </a:pPr>
             <a:r>
-              <a:rPr lang="en" sz="2000" b="1" dirty="0" smtClean="0">
+              <a:rPr lang="en-US" sz="2000" b="1" dirty="0" smtClean="0">
                 <a:solidFill>
                   <a:srgbClr val="7F7F7F"/>
                 </a:solidFill>
@@ -15306,7 +18351,7 @@
               <a:t>Purpose</a:t>
             </a:r>
             <a:r>
-              <a:rPr lang="en" sz="2000" dirty="0" smtClean="0">
+              <a:rPr lang="en-US" sz="2000" dirty="0" smtClean="0">
                 <a:solidFill>
                   <a:srgbClr val="7F7F7F"/>
                 </a:solidFill>
@@ -15315,7 +18360,7 @@
                 <a:cs typeface="Questrial"/>
                 <a:sym typeface="Questrial"/>
               </a:rPr>
-              <a:t>: Handle regular (non-load-use) data hazards</a:t>
+              <a:t>: Handle control hazards</a:t>
             </a:r>
             <a:endParaRPr lang="en" sz="2000" dirty="0">
               <a:solidFill>
@@ -15329,83 +18374,6 @@
           </a:p>
           <a:p>
             <a:pPr marL="342900" indent="-342900">
-              <a:lnSpc>
-                <a:spcPct val="100000"/>
-              </a:lnSpc>
-              <a:spcBef>
-                <a:spcPts val="0"/>
-              </a:spcBef>
-              <a:buSzPct val="75000"/>
-              <a:buFont typeface="Wingdings" panose="05000000000000000000" pitchFamily="2" charset="2"/>
-              <a:buChar char="§"/>
-            </a:pPr>
-            <a:r>
-              <a:rPr lang="en" sz="2000" b="1" dirty="0" smtClean="0">
-                <a:solidFill>
-                  <a:srgbClr val="7F7F7F"/>
-                </a:solidFill>
-                <a:latin typeface="+mn-lt"/>
-                <a:ea typeface="Questrial"/>
-                <a:cs typeface="Questrial"/>
-                <a:sym typeface="Questrial"/>
-              </a:rPr>
-              <a:t>Input</a:t>
-            </a:r>
-            <a:r>
-              <a:rPr lang="en" sz="2000" dirty="0" smtClean="0">
-                <a:solidFill>
-                  <a:srgbClr val="7F7F7F"/>
-                </a:solidFill>
-                <a:latin typeface="+mn-lt"/>
-                <a:ea typeface="Questrial"/>
-                <a:cs typeface="Questrial"/>
-                <a:sym typeface="Questrial"/>
-              </a:rPr>
-              <a:t>: EX/MEM.RegWrite, MEM/WB.RegWrite, EX/MEM.RegisterRd, MEM/WB.RegisterRd, ID/EX.RegisterRs, ID/EX.RegisterRt</a:t>
-            </a:r>
-          </a:p>
-          <a:p>
-            <a:pPr marL="342900" indent="-342900">
-              <a:lnSpc>
-                <a:spcPct val="100000"/>
-              </a:lnSpc>
-              <a:spcBef>
-                <a:spcPts val="0"/>
-              </a:spcBef>
-              <a:buSzPct val="75000"/>
-              <a:buFont typeface="Wingdings" panose="05000000000000000000" pitchFamily="2" charset="2"/>
-              <a:buChar char="§"/>
-            </a:pPr>
-            <a:r>
-              <a:rPr lang="en" sz="2000" b="1" dirty="0" smtClean="0">
-                <a:solidFill>
-                  <a:srgbClr val="7F7F7F"/>
-                </a:solidFill>
-                <a:latin typeface="+mn-lt"/>
-                <a:ea typeface="Questrial"/>
-                <a:cs typeface="Questrial"/>
-                <a:sym typeface="Questrial"/>
-              </a:rPr>
-              <a:t>Output</a:t>
-            </a:r>
-            <a:r>
-              <a:rPr lang="en" sz="2000" dirty="0" smtClean="0">
-                <a:solidFill>
-                  <a:srgbClr val="7F7F7F"/>
-                </a:solidFill>
-                <a:latin typeface="+mn-lt"/>
-                <a:ea typeface="Questrial"/>
-                <a:cs typeface="Questrial"/>
-                <a:sym typeface="Questrial"/>
-              </a:rPr>
-              <a:t>: Forwarded paths 01 (MemtoReg mux output), 10 (ALU Result)</a:t>
-            </a:r>
-          </a:p>
-          <a:p>
-            <a:pPr marL="342900" indent="-342900">
-              <a:lnSpc>
-                <a:spcPct val="100000"/>
-              </a:lnSpc>
               <a:spcBef>
                 <a:spcPts val="0"/>
               </a:spcBef>
@@ -15435,32 +18403,7 @@
                 <a:cs typeface="Questrial"/>
                 <a:sym typeface="Questrial"/>
               </a:rPr>
-              <a:t>: Forwarding required when RegWrite and Rd equals Rs/Rt</a:t>
-            </a:r>
-          </a:p>
-          <a:p>
-            <a:pPr marL="342900" indent="-342900">
-              <a:lnSpc>
-                <a:spcPct val="100000"/>
-              </a:lnSpc>
-              <a:spcBef>
-                <a:spcPts val="0"/>
-              </a:spcBef>
-              <a:buSzPct val="75000"/>
-              <a:buFont typeface="Wingdings" panose="05000000000000000000" pitchFamily="2" charset="2"/>
-              <a:buChar char="§"/>
-            </a:pPr>
-            <a:r>
-              <a:rPr lang="en" sz="2000" dirty="0" smtClean="0">
-                <a:solidFill>
-                  <a:srgbClr val="7F7F7F"/>
-                </a:solidFill>
-                <a:latin typeface="+mn-lt"/>
-                <a:ea typeface="Questrial"/>
-                <a:cs typeface="Questrial"/>
-                <a:sym typeface="Questrial"/>
-              </a:rPr>
-              <a:t>ID forwarding unit works similarly for handling non-load-use-data hazards on branches</a:t>
+              <a:t>: Branch and jump adders are moved from EXE stage to ID stage to reduce unnecessary stall cycles and branch penalties during control hazards; equality comparator added to detect the outcome of the branch in ID stage itself</a:t>
             </a:r>
             <a:endParaRPr lang="en" sz="2000" dirty="0">
               <a:solidFill>
@@ -15477,7 +18420,7 @@
     </p:spTree>
     <p:extLst>
       <p:ext uri="{BB962C8B-B14F-4D97-AF65-F5344CB8AC3E}">
-        <p14:creationId xmlns:p14="http://schemas.microsoft.com/office/powerpoint/2010/main" val="2920610647"/>
+        <p14:creationId xmlns:p14="http://schemas.microsoft.com/office/powerpoint/2010/main" val="1487722886"/>
       </p:ext>
     </p:extLst>
   </p:cSld>
@@ -15580,7 +18523,7 @@
                 <a:cs typeface="Consolas" panose="020B0609020204030204" pitchFamily="49" charset="0"/>
                 <a:sym typeface="Consolas"/>
               </a:rPr>
-              <a:t>HAZARD</a:t>
+              <a:t>EXE</a:t>
             </a:r>
             <a:r>
               <a:rPr lang="en" dirty="0" smtClean="0">
@@ -15592,7 +18535,7 @@
                 <a:cs typeface="Consolas" panose="020B0609020204030204" pitchFamily="49" charset="0"/>
                 <a:sym typeface="Consolas"/>
               </a:rPr>
-              <a:t>DETECTION</a:t>
+              <a:t>FORWARDING</a:t>
             </a:r>
             <a:r>
               <a:rPr lang="en" dirty="0" smtClean="0">
@@ -15648,6 +18591,408 @@
           <a:lstStyle/>
           <a:p>
             <a:pPr marL="342900" indent="-342900">
+              <a:lnSpc>
+                <a:spcPct val="100000"/>
+              </a:lnSpc>
+              <a:spcBef>
+                <a:spcPts val="0"/>
+              </a:spcBef>
+              <a:buSzPct val="75000"/>
+              <a:buFont typeface="Wingdings" panose="05000000000000000000" pitchFamily="2" charset="2"/>
+              <a:buChar char="§"/>
+            </a:pPr>
+            <a:r>
+              <a:rPr lang="en" sz="2000" b="1" dirty="0" smtClean="0">
+                <a:solidFill>
+                  <a:srgbClr val="7F7F7F"/>
+                </a:solidFill>
+                <a:latin typeface="+mn-lt"/>
+                <a:ea typeface="Questrial"/>
+                <a:cs typeface="Questrial"/>
+                <a:sym typeface="Questrial"/>
+              </a:rPr>
+              <a:t>Stage</a:t>
+            </a:r>
+            <a:r>
+              <a:rPr lang="en" sz="2000" dirty="0" smtClean="0">
+                <a:solidFill>
+                  <a:srgbClr val="7F7F7F"/>
+                </a:solidFill>
+                <a:latin typeface="+mn-lt"/>
+                <a:ea typeface="Questrial"/>
+                <a:cs typeface="Questrial"/>
+                <a:sym typeface="Questrial"/>
+              </a:rPr>
+              <a:t>: EXE</a:t>
+            </a:r>
+          </a:p>
+          <a:p>
+            <a:pPr marL="342900" indent="-342900">
+              <a:lnSpc>
+                <a:spcPct val="100000"/>
+              </a:lnSpc>
+              <a:spcBef>
+                <a:spcPts val="0"/>
+              </a:spcBef>
+              <a:buSzPct val="75000"/>
+              <a:buFont typeface="Wingdings" panose="05000000000000000000" pitchFamily="2" charset="2"/>
+              <a:buChar char="§"/>
+            </a:pPr>
+            <a:r>
+              <a:rPr lang="en" sz="2000" b="1" dirty="0" smtClean="0">
+                <a:solidFill>
+                  <a:srgbClr val="7F7F7F"/>
+                </a:solidFill>
+                <a:latin typeface="+mn-lt"/>
+                <a:ea typeface="Questrial"/>
+                <a:cs typeface="Questrial"/>
+                <a:sym typeface="Questrial"/>
+              </a:rPr>
+              <a:t>Purpose</a:t>
+            </a:r>
+            <a:r>
+              <a:rPr lang="en" sz="2000" dirty="0" smtClean="0">
+                <a:solidFill>
+                  <a:srgbClr val="7F7F7F"/>
+                </a:solidFill>
+                <a:latin typeface="+mn-lt"/>
+                <a:ea typeface="Questrial"/>
+                <a:cs typeface="Questrial"/>
+                <a:sym typeface="Questrial"/>
+              </a:rPr>
+              <a:t>: Handle regular (non-load-use) data hazards</a:t>
+            </a:r>
+            <a:endParaRPr lang="en" sz="2000" dirty="0">
+              <a:solidFill>
+                <a:srgbClr val="7F7F7F"/>
+              </a:solidFill>
+              <a:latin typeface="+mn-lt"/>
+              <a:ea typeface="Questrial"/>
+              <a:cs typeface="Questrial"/>
+              <a:sym typeface="Questrial"/>
+            </a:endParaRPr>
+          </a:p>
+          <a:p>
+            <a:pPr marL="342900" indent="-342900">
+              <a:lnSpc>
+                <a:spcPct val="100000"/>
+              </a:lnSpc>
+              <a:spcBef>
+                <a:spcPts val="0"/>
+              </a:spcBef>
+              <a:buSzPct val="75000"/>
+              <a:buFont typeface="Wingdings" panose="05000000000000000000" pitchFamily="2" charset="2"/>
+              <a:buChar char="§"/>
+            </a:pPr>
+            <a:r>
+              <a:rPr lang="en" sz="2000" b="1" dirty="0" smtClean="0">
+                <a:solidFill>
+                  <a:srgbClr val="7F7F7F"/>
+                </a:solidFill>
+                <a:latin typeface="+mn-lt"/>
+                <a:ea typeface="Questrial"/>
+                <a:cs typeface="Questrial"/>
+                <a:sym typeface="Questrial"/>
+              </a:rPr>
+              <a:t>Input</a:t>
+            </a:r>
+            <a:r>
+              <a:rPr lang="en" sz="2000" dirty="0" smtClean="0">
+                <a:solidFill>
+                  <a:srgbClr val="7F7F7F"/>
+                </a:solidFill>
+                <a:latin typeface="+mn-lt"/>
+                <a:ea typeface="Questrial"/>
+                <a:cs typeface="Questrial"/>
+                <a:sym typeface="Questrial"/>
+              </a:rPr>
+              <a:t>: EX/MEM.RegWrite, MEM/WB.RegWrite, EX/MEM.RegisterRd, MEM/WB.RegisterRd, ID/EX.RegisterRs, ID/EX.RegisterRt</a:t>
+            </a:r>
+          </a:p>
+          <a:p>
+            <a:pPr marL="342900" indent="-342900">
+              <a:lnSpc>
+                <a:spcPct val="100000"/>
+              </a:lnSpc>
+              <a:spcBef>
+                <a:spcPts val="0"/>
+              </a:spcBef>
+              <a:buSzPct val="75000"/>
+              <a:buFont typeface="Wingdings" panose="05000000000000000000" pitchFamily="2" charset="2"/>
+              <a:buChar char="§"/>
+            </a:pPr>
+            <a:r>
+              <a:rPr lang="en" sz="2000" b="1" dirty="0" smtClean="0">
+                <a:solidFill>
+                  <a:srgbClr val="7F7F7F"/>
+                </a:solidFill>
+                <a:latin typeface="+mn-lt"/>
+                <a:ea typeface="Questrial"/>
+                <a:cs typeface="Questrial"/>
+                <a:sym typeface="Questrial"/>
+              </a:rPr>
+              <a:t>Output</a:t>
+            </a:r>
+            <a:r>
+              <a:rPr lang="en" sz="2000" dirty="0" smtClean="0">
+                <a:solidFill>
+                  <a:srgbClr val="7F7F7F"/>
+                </a:solidFill>
+                <a:latin typeface="+mn-lt"/>
+                <a:ea typeface="Questrial"/>
+                <a:cs typeface="Questrial"/>
+                <a:sym typeface="Questrial"/>
+              </a:rPr>
+              <a:t>: Forwarded paths 01 (MemtoReg mux output), 10 (ALU Result)</a:t>
+            </a:r>
+          </a:p>
+          <a:p>
+            <a:pPr marL="342900" indent="-342900">
+              <a:lnSpc>
+                <a:spcPct val="100000"/>
+              </a:lnSpc>
+              <a:spcBef>
+                <a:spcPts val="0"/>
+              </a:spcBef>
+              <a:buSzPct val="75000"/>
+              <a:buFont typeface="Wingdings" panose="05000000000000000000" pitchFamily="2" charset="2"/>
+              <a:buChar char="§"/>
+            </a:pPr>
+            <a:r>
+              <a:rPr lang="en" sz="2000" b="1" dirty="0" smtClean="0">
+                <a:solidFill>
+                  <a:srgbClr val="7F7F7F"/>
+                </a:solidFill>
+                <a:latin typeface="+mn-lt"/>
+                <a:ea typeface="Questrial"/>
+                <a:cs typeface="Questrial"/>
+                <a:sym typeface="Questrial"/>
+              </a:rPr>
+              <a:t>Description</a:t>
+            </a:r>
+            <a:r>
+              <a:rPr lang="en" sz="2000" dirty="0" smtClean="0">
+                <a:solidFill>
+                  <a:srgbClr val="7F7F7F"/>
+                </a:solidFill>
+                <a:latin typeface="+mn-lt"/>
+                <a:ea typeface="Questrial"/>
+                <a:cs typeface="Questrial"/>
+                <a:sym typeface="Questrial"/>
+              </a:rPr>
+              <a:t>: Forwarding required when RegWrite and Rd equals Rs/Rt</a:t>
+            </a:r>
+          </a:p>
+          <a:p>
+            <a:pPr marL="342900" indent="-342900">
+              <a:lnSpc>
+                <a:spcPct val="100000"/>
+              </a:lnSpc>
+              <a:spcBef>
+                <a:spcPts val="0"/>
+              </a:spcBef>
+              <a:buSzPct val="75000"/>
+              <a:buFont typeface="Wingdings" panose="05000000000000000000" pitchFamily="2" charset="2"/>
+              <a:buChar char="§"/>
+            </a:pPr>
+            <a:r>
+              <a:rPr lang="en" sz="2000" dirty="0" smtClean="0">
+                <a:solidFill>
+                  <a:srgbClr val="7F7F7F"/>
+                </a:solidFill>
+                <a:latin typeface="+mn-lt"/>
+                <a:ea typeface="Questrial"/>
+                <a:cs typeface="Questrial"/>
+                <a:sym typeface="Questrial"/>
+              </a:rPr>
+              <a:t>ID forwarding unit works similarly for handling non-load-use-data hazards on branches</a:t>
+            </a:r>
+            <a:endParaRPr lang="en" sz="2000" dirty="0">
+              <a:solidFill>
+                <a:srgbClr val="7F7F7F"/>
+              </a:solidFill>
+              <a:latin typeface="+mn-lt"/>
+              <a:ea typeface="Questrial"/>
+              <a:cs typeface="Questrial"/>
+              <a:sym typeface="Questrial"/>
+            </a:endParaRPr>
+          </a:p>
+        </p:txBody>
+      </p:sp>
+    </p:spTree>
+    <p:extLst>
+      <p:ext uri="{BB962C8B-B14F-4D97-AF65-F5344CB8AC3E}">
+        <p14:creationId xmlns:p14="http://schemas.microsoft.com/office/powerpoint/2010/main" val="2920610647"/>
+      </p:ext>
+    </p:extLst>
+  </p:cSld>
+  <p:clrMapOvr>
+    <a:masterClrMapping/>
+  </p:clrMapOvr>
+  <p:transition spd="slow">
+    <p:cut/>
+  </p:transition>
+  <p:timing>
+    <p:tnLst>
+      <p:par>
+        <p:cTn id="1" dur="indefinite" restart="never" nodeType="tmRoot"/>
+      </p:par>
+    </p:tnLst>
+  </p:timing>
+</p:sld>
+</file>
+
+<file path=ppt/slides/slide9.xml><?xml version="1.0" encoding="utf-8"?>
+<p:sld xmlns:a="http://schemas.openxmlformats.org/drawingml/2006/main" xmlns:r="http://schemas.openxmlformats.org/officeDocument/2006/relationships" xmlns:p="http://schemas.openxmlformats.org/presentationml/2006/main">
+  <p:cSld>
+    <p:bg>
+      <p:bgPr>
+        <a:solidFill>
+          <a:srgbClr val="F2F2F2"/>
+        </a:solidFill>
+        <a:effectLst/>
+      </p:bgPr>
+    </p:bg>
+    <p:spTree>
+      <p:nvGrpSpPr>
+        <p:cNvPr id="1" name="Shape 94"/>
+        <p:cNvGrpSpPr/>
+        <p:nvPr/>
+      </p:nvGrpSpPr>
+      <p:grpSpPr>
+        <a:xfrm>
+          <a:off x="0" y="0"/>
+          <a:ext cx="0" cy="0"/>
+          <a:chOff x="0" y="0"/>
+          <a:chExt cx="0" cy="0"/>
+        </a:xfrm>
+      </p:grpSpPr>
+      <p:sp>
+        <p:nvSpPr>
+          <p:cNvPr id="95" name="Shape 95"/>
+          <p:cNvSpPr txBox="1">
+            <a:spLocks noGrp="1"/>
+          </p:cNvSpPr>
+          <p:nvPr>
+            <p:ph type="title"/>
+          </p:nvPr>
+        </p:nvSpPr>
+        <p:spPr>
+          <a:xfrm>
+            <a:off x="628650" y="273843"/>
+            <a:ext cx="7886700" cy="994200"/>
+          </a:xfrm>
+          <a:prstGeom prst="rect">
+            <a:avLst/>
+          </a:prstGeom>
+          <a:solidFill>
+            <a:srgbClr val="F2F2F2"/>
+          </a:solidFill>
+          <a:ln>
+            <a:noFill/>
+          </a:ln>
+        </p:spPr>
+        <p:txBody>
+          <a:bodyPr lIns="68575" tIns="34275" rIns="68575" bIns="34275" anchor="ctr" anchorCtr="0">
+            <a:noAutofit/>
+          </a:bodyPr>
+          <a:lstStyle/>
+          <a:p>
+            <a:pPr marL="0" marR="0" lvl="0" indent="0" algn="l" rtl="0">
+              <a:lnSpc>
+                <a:spcPct val="90000"/>
+              </a:lnSpc>
+              <a:spcBef>
+                <a:spcPts val="0"/>
+              </a:spcBef>
+              <a:spcAft>
+                <a:spcPts val="0"/>
+              </a:spcAft>
+              <a:buClr>
+                <a:srgbClr val="7F7F7F"/>
+              </a:buClr>
+              <a:buSzPct val="25000"/>
+              <a:buFont typeface="Times New Roman"/>
+              <a:buNone/>
+            </a:pPr>
+            <a:r>
+              <a:rPr lang="en" dirty="0" smtClean="0">
+                <a:solidFill>
+                  <a:srgbClr val="7F7F7F"/>
+                </a:solidFill>
+                <a:latin typeface="+mn-lt"/>
+                <a:ea typeface="Consolas"/>
+                <a:cs typeface="Consolas" panose="020B0609020204030204" pitchFamily="49" charset="0"/>
+                <a:sym typeface="Consolas"/>
+              </a:rPr>
+              <a:t>HAZARD</a:t>
+            </a:r>
+            <a:r>
+              <a:rPr lang="en" dirty="0" smtClean="0">
+                <a:solidFill>
+                  <a:srgbClr val="7F7F7F"/>
+                </a:solidFill>
+                <a:latin typeface="Arial Black" panose="020B0A04020102020204" pitchFamily="34" charset="0"/>
+                <a:ea typeface="Consolas"/>
+                <a:cs typeface="Consolas" panose="020B0609020204030204" pitchFamily="49" charset="0"/>
+                <a:sym typeface="Consolas"/>
+              </a:rPr>
+              <a:t>DETECTION</a:t>
+            </a:r>
+            <a:r>
+              <a:rPr lang="en" dirty="0" smtClean="0">
+                <a:solidFill>
+                  <a:srgbClr val="7F7F7F"/>
+                </a:solidFill>
+                <a:latin typeface="+mn-lt"/>
+                <a:ea typeface="Consolas"/>
+                <a:cs typeface="Consolas" panose="020B0609020204030204" pitchFamily="49" charset="0"/>
+                <a:sym typeface="Consolas"/>
+              </a:rPr>
+              <a:t>UNIT</a:t>
+            </a:r>
+            <a:endParaRPr lang="en" sz="3300" dirty="0">
+              <a:solidFill>
+                <a:schemeClr val="tx1"/>
+              </a:solidFill>
+              <a:latin typeface="+mn-lt"/>
+              <a:ea typeface="Consolas"/>
+              <a:cs typeface="Consolas" panose="020B0609020204030204" pitchFamily="49" charset="0"/>
+              <a:sym typeface="Consolas"/>
+            </a:endParaRPr>
+          </a:p>
+        </p:txBody>
+      </p:sp>
+      <p:sp>
+        <p:nvSpPr>
+          <p:cNvPr id="96" name="Shape 96"/>
+          <p:cNvSpPr txBox="1">
+            <a:spLocks noGrp="1"/>
+          </p:cNvSpPr>
+          <p:nvPr>
+            <p:ph type="body" idx="1"/>
+          </p:nvPr>
+        </p:nvSpPr>
+        <p:spPr>
+          <a:xfrm>
+            <a:off x="628650" y="1268043"/>
+            <a:ext cx="7886700" cy="3521815"/>
+          </a:xfrm>
+          <a:prstGeom prst="rect">
+            <a:avLst/>
+          </a:prstGeom>
+          <a:noFill/>
+          <a:ln>
+            <a:noFill/>
+          </a:ln>
+        </p:spPr>
+        <p:txBody>
+          <a:bodyPr lIns="68575" tIns="34275" rIns="68575" bIns="34275" anchor="t" anchorCtr="0">
+            <a:noAutofit/>
+          </a:bodyPr>
+          <a:lstStyle/>
+          <a:p>
+            <a:pPr marL="342900" indent="-342900">
               <a:spcBef>
                 <a:spcPts val="0"/>
               </a:spcBef>
@@ -15846,19 +19191,7 @@
                 <a:cs typeface="Questrial"/>
                 <a:sym typeface="Questrial"/>
               </a:rPr>
-              <a:t>: Hazard detected when: </a:t>
-            </a:r>
-            <a:r>
-              <a:rPr lang="en" sz="2000" dirty="0" smtClean="0">
-                <a:solidFill>
-                  <a:srgbClr val="7F7F7F"/>
-                </a:solidFill>
-                <a:latin typeface="+mn-lt"/>
-                <a:ea typeface="Questrial"/>
-                <a:cs typeface="Questrial"/>
-                <a:sym typeface="Questrial"/>
-              </a:rPr>
-              <a:t>MemWrite and ID/EX.RegisterRt equals Rs/Rt or</a:t>
+              <a:t>: Hazard detected when: MemWrite and ID/EX.RegisterRt equals Rs/Rt or</a:t>
             </a:r>
             <a:r>
               <a:rPr lang="en" sz="2000" dirty="0">
@@ -15882,19 +19215,7 @@
                 <a:cs typeface="Questrial"/>
                 <a:sym typeface="Questrial"/>
               </a:rPr>
-              <a:t>Branch/Branch_NE and </a:t>
-            </a:r>
-            <a:r>
-              <a:rPr lang="en" sz="2000" dirty="0" smtClean="0">
-                <a:solidFill>
-                  <a:srgbClr val="7F7F7F"/>
-                </a:solidFill>
-                <a:latin typeface="+mn-lt"/>
-                <a:ea typeface="Questrial"/>
-                <a:cs typeface="Questrial"/>
-                <a:sym typeface="Questrial"/>
-              </a:rPr>
-              <a:t>MemRead/RegWrite and Rd equals Rs/Rt</a:t>
+              <a:t>Branch/Branch_NE and MemRead/RegWrite and Rd equals Rs/Rt</a:t>
             </a:r>
             <a:endParaRPr lang="en" sz="2000" dirty="0">
               <a:solidFill>
